--- a/5. Shape of the distribution (STA201).pptx
+++ b/5. Shape of the distribution (STA201).pptx
@@ -5,30 +5,29 @@
     <p:sldMasterId id="2147483943" r:id="rId1"/>
   </p:sldMasterIdLst>
   <p:notesMasterIdLst>
-    <p:notesMasterId r:id="rId23"/>
+    <p:notesMasterId r:id="rId22"/>
   </p:notesMasterIdLst>
   <p:sldIdLst>
     <p:sldId id="256" r:id="rId2"/>
     <p:sldId id="368" r:id="rId3"/>
     <p:sldId id="372" r:id="rId4"/>
-    <p:sldId id="374" r:id="rId5"/>
-    <p:sldId id="377" r:id="rId6"/>
-    <p:sldId id="375" r:id="rId7"/>
-    <p:sldId id="382" r:id="rId8"/>
-    <p:sldId id="383" r:id="rId9"/>
-    <p:sldId id="384" r:id="rId10"/>
-    <p:sldId id="385" r:id="rId11"/>
-    <p:sldId id="388" r:id="rId12"/>
-    <p:sldId id="390" r:id="rId13"/>
-    <p:sldId id="391" r:id="rId14"/>
-    <p:sldId id="392" r:id="rId15"/>
-    <p:sldId id="393" r:id="rId16"/>
-    <p:sldId id="394" r:id="rId17"/>
-    <p:sldId id="395" r:id="rId18"/>
-    <p:sldId id="396" r:id="rId19"/>
-    <p:sldId id="397" r:id="rId20"/>
-    <p:sldId id="398" r:id="rId21"/>
-    <p:sldId id="363" r:id="rId22"/>
+    <p:sldId id="377" r:id="rId5"/>
+    <p:sldId id="375" r:id="rId6"/>
+    <p:sldId id="382" r:id="rId7"/>
+    <p:sldId id="383" r:id="rId8"/>
+    <p:sldId id="384" r:id="rId9"/>
+    <p:sldId id="385" r:id="rId10"/>
+    <p:sldId id="388" r:id="rId11"/>
+    <p:sldId id="390" r:id="rId12"/>
+    <p:sldId id="391" r:id="rId13"/>
+    <p:sldId id="392" r:id="rId14"/>
+    <p:sldId id="393" r:id="rId15"/>
+    <p:sldId id="394" r:id="rId16"/>
+    <p:sldId id="395" r:id="rId17"/>
+    <p:sldId id="396" r:id="rId18"/>
+    <p:sldId id="397" r:id="rId19"/>
+    <p:sldId id="398" r:id="rId20"/>
+    <p:sldId id="363" r:id="rId21"/>
   </p:sldIdLst>
   <p:sldSz cx="14630400" cy="8229600"/>
   <p:notesSz cx="6858000" cy="9144000"/>
@@ -4836,7 +4835,7 @@
           <a:p>
             <a:fld id="{3B5B520D-9332-4F38-8ED3-DBB0A0E71044}" type="datetimeFigureOut">
               <a:rPr lang="en-US" smtClean="0"/>
-              <a:t>6/24/2024</a:t>
+              <a:t>3/4/2025</a:t>
             </a:fld>
             <a:endParaRPr lang="en-US"/>
           </a:p>
@@ -5168,7 +5167,7 @@
           <a:p>
             <a:fld id="{35288CC9-EF3D-4594-8715-E0C737785DCE}" type="slidenum">
               <a:rPr lang="en-US" smtClean="0"/>
-              <a:t>9</a:t>
+              <a:t>8</a:t>
             </a:fld>
             <a:endParaRPr lang="en-US"/>
           </a:p>
@@ -5252,7 +5251,7 @@
           <a:p>
             <a:fld id="{35288CC9-EF3D-4594-8715-E0C737785DCE}" type="slidenum">
               <a:rPr lang="en-US" smtClean="0"/>
-              <a:t>10</a:t>
+              <a:t>9</a:t>
             </a:fld>
             <a:endParaRPr lang="en-US"/>
           </a:p>
@@ -5336,7 +5335,7 @@
           <a:p>
             <a:fld id="{35288CC9-EF3D-4594-8715-E0C737785DCE}" type="slidenum">
               <a:rPr lang="en-US" smtClean="0"/>
-              <a:t>11</a:t>
+              <a:t>10</a:t>
             </a:fld>
             <a:endParaRPr lang="en-US"/>
           </a:p>
@@ -5420,7 +5419,7 @@
           <a:p>
             <a:fld id="{35288CC9-EF3D-4594-8715-E0C737785DCE}" type="slidenum">
               <a:rPr lang="en-US" smtClean="0"/>
-              <a:t>12</a:t>
+              <a:t>11</a:t>
             </a:fld>
             <a:endParaRPr lang="en-US"/>
           </a:p>
@@ -5504,7 +5503,7 @@
           <a:p>
             <a:fld id="{35288CC9-EF3D-4594-8715-E0C737785DCE}" type="slidenum">
               <a:rPr lang="en-US" smtClean="0"/>
-              <a:t>13</a:t>
+              <a:t>12</a:t>
             </a:fld>
             <a:endParaRPr lang="en-US"/>
           </a:p>
@@ -5588,7 +5587,7 @@
           <a:p>
             <a:fld id="{35288CC9-EF3D-4594-8715-E0C737785DCE}" type="slidenum">
               <a:rPr lang="en-US" smtClean="0"/>
-              <a:t>14</a:t>
+              <a:t>13</a:t>
             </a:fld>
             <a:endParaRPr lang="en-US"/>
           </a:p>
@@ -6010,7 +6009,7 @@
           <a:p>
             <a:fld id="{97B34786-0A07-4281-A7C3-7630DD8912B6}" type="datetimeFigureOut">
               <a:rPr lang="en-US" smtClean="0"/>
-              <a:t>6/24/2024</a:t>
+              <a:t>3/4/2025</a:t>
             </a:fld>
             <a:endParaRPr lang="en-US"/>
           </a:p>
@@ -6189,7 +6188,7 @@
           <a:p>
             <a:fld id="{97B34786-0A07-4281-A7C3-7630DD8912B6}" type="datetimeFigureOut">
               <a:rPr lang="en-US" smtClean="0"/>
-              <a:t>6/24/2024</a:t>
+              <a:t>3/4/2025</a:t>
             </a:fld>
             <a:endParaRPr lang="en-US"/>
           </a:p>
@@ -6369,7 +6368,7 @@
           <a:p>
             <a:fld id="{97B34786-0A07-4281-A7C3-7630DD8912B6}" type="datetimeFigureOut">
               <a:rPr lang="en-US" smtClean="0"/>
-              <a:t>6/24/2024</a:t>
+              <a:t>3/4/2025</a:t>
             </a:fld>
             <a:endParaRPr lang="en-US"/>
           </a:p>
@@ -6544,7 +6543,7 @@
           <a:p>
             <a:fld id="{97B34786-0A07-4281-A7C3-7630DD8912B6}" type="datetimeFigureOut">
               <a:rPr lang="en-US" smtClean="0"/>
-              <a:t>6/24/2024</a:t>
+              <a:t>3/4/2025</a:t>
             </a:fld>
             <a:endParaRPr lang="en-US"/>
           </a:p>
@@ -6714,7 +6713,7 @@
           <a:p>
             <a:fld id="{97B34786-0A07-4281-A7C3-7630DD8912B6}" type="datetimeFigureOut">
               <a:rPr lang="en-US" smtClean="0"/>
-              <a:t>6/24/2024</a:t>
+              <a:t>3/4/2025</a:t>
             </a:fld>
             <a:endParaRPr lang="en-US"/>
           </a:p>
@@ -7027,7 +7026,7 @@
           <a:p>
             <a:fld id="{97B34786-0A07-4281-A7C3-7630DD8912B6}" type="datetimeFigureOut">
               <a:rPr lang="en-US" smtClean="0"/>
-              <a:t>6/24/2024</a:t>
+              <a:t>3/4/2025</a:t>
             </a:fld>
             <a:endParaRPr lang="en-US"/>
           </a:p>
@@ -7413,7 +7412,7 @@
           <a:p>
             <a:fld id="{97B34786-0A07-4281-A7C3-7630DD8912B6}" type="datetimeFigureOut">
               <a:rPr lang="en-US" smtClean="0"/>
-              <a:t>6/24/2024</a:t>
+              <a:t>3/4/2025</a:t>
             </a:fld>
             <a:endParaRPr lang="en-US"/>
           </a:p>
@@ -7847,7 +7846,7 @@
           <a:p>
             <a:fld id="{97B34786-0A07-4281-A7C3-7630DD8912B6}" type="datetimeFigureOut">
               <a:rPr lang="en-US" smtClean="0"/>
-              <a:t>6/24/2024</a:t>
+              <a:t>3/4/2025</a:t>
             </a:fld>
             <a:endParaRPr lang="en-US"/>
           </a:p>
@@ -7965,7 +7964,7 @@
           <a:p>
             <a:fld id="{97B34786-0A07-4281-A7C3-7630DD8912B6}" type="datetimeFigureOut">
               <a:rPr lang="en-US" smtClean="0"/>
-              <a:t>6/24/2024</a:t>
+              <a:t>3/4/2025</a:t>
             </a:fld>
             <a:endParaRPr lang="en-US"/>
           </a:p>
@@ -8060,7 +8059,7 @@
           <a:p>
             <a:fld id="{97B34786-0A07-4281-A7C3-7630DD8912B6}" type="datetimeFigureOut">
               <a:rPr lang="en-US" smtClean="0"/>
-              <a:t>6/24/2024</a:t>
+              <a:t>3/4/2025</a:t>
             </a:fld>
             <a:endParaRPr lang="en-US"/>
           </a:p>
@@ -8410,7 +8409,7 @@
           <a:p>
             <a:fld id="{97B34786-0A07-4281-A7C3-7630DD8912B6}" type="datetimeFigureOut">
               <a:rPr lang="en-US" smtClean="0"/>
-              <a:t>6/24/2024</a:t>
+              <a:t>3/4/2025</a:t>
             </a:fld>
             <a:endParaRPr lang="en-US"/>
           </a:p>
@@ -8835,7 +8834,7 @@
           <a:p>
             <a:fld id="{97B34786-0A07-4281-A7C3-7630DD8912B6}" type="datetimeFigureOut">
               <a:rPr lang="en-US" smtClean="0"/>
-              <a:t>6/24/2024</a:t>
+              <a:t>3/4/2025</a:t>
             </a:fld>
             <a:endParaRPr lang="en-US"/>
           </a:p>
@@ -9116,7 +9115,7 @@
           <a:p>
             <a:fld id="{97B34786-0A07-4281-A7C3-7630DD8912B6}" type="datetimeFigureOut">
               <a:rPr lang="en-US" smtClean="0"/>
-              <a:t>6/24/2024</a:t>
+              <a:t>3/4/2025</a:t>
             </a:fld>
             <a:endParaRPr lang="en-US"/>
           </a:p>
@@ -10426,727 +10425,6 @@
         <p:spPr>
           <a:xfrm>
             <a:off x="6550091" y="1791478"/>
-            <a:ext cx="7893698" cy="2554545"/>
-          </a:xfrm>
-          <a:prstGeom prst="rect">
-            <a:avLst/>
-          </a:prstGeom>
-          <a:solidFill>
-            <a:schemeClr val="accent1">
-              <a:lumMod val="40000"/>
-              <a:lumOff val="60000"/>
-            </a:schemeClr>
-          </a:solidFill>
-          <a:ln w="12700">
-            <a:solidFill>
-              <a:schemeClr val="tx1"/>
-            </a:solidFill>
-          </a:ln>
-        </p:spPr>
-        <p:txBody>
-          <a:bodyPr wrap="square" rtlCol="0">
-            <a:spAutoFit/>
-          </a:bodyPr>
-          <a:lstStyle/>
-          <a:p>
-            <a:pPr algn="just"/>
-            <a:r>
-              <a:rPr lang="en-US" sz="3200" dirty="0"/>
-              <a:t>For example: Calculate the coefficient of skewness: 15,18,2,6,4</a:t>
-            </a:r>
-          </a:p>
-          <a:p>
-            <a:pPr algn="just"/>
-            <a:endParaRPr lang="en-US" sz="3200" dirty="0"/>
-          </a:p>
-          <a:p>
-            <a:pPr algn="just"/>
-            <a:r>
-              <a:rPr lang="en-US" sz="3200" dirty="0"/>
-              <a:t>Mean = 9</a:t>
-            </a:r>
-          </a:p>
-          <a:p>
-            <a:pPr algn="just"/>
-            <a:endParaRPr lang="en-US" sz="3200" dirty="0"/>
-          </a:p>
-        </p:txBody>
-      </p:sp>
-    </p:spTree>
-    <p:extLst>
-      <p:ext uri="{BB962C8B-B14F-4D97-AF65-F5344CB8AC3E}">
-        <p14:creationId xmlns:p14="http://schemas.microsoft.com/office/powerpoint/2010/main" val="473193605"/>
-      </p:ext>
-    </p:extLst>
-  </p:cSld>
-  <p:clrMapOvr>
-    <a:masterClrMapping/>
-  </p:clrMapOvr>
-</p:sld>
-</file>
-
-<file path=ppt/slides/slide11.xml><?xml version="1.0" encoding="utf-8"?>
-<p:sld xmlns:a="http://schemas.openxmlformats.org/drawingml/2006/main" xmlns:r="http://schemas.openxmlformats.org/officeDocument/2006/relationships" xmlns:p="http://schemas.openxmlformats.org/presentationml/2006/main">
-  <p:cSld>
-    <p:spTree>
-      <p:nvGrpSpPr>
-        <p:cNvPr id="1" name=""/>
-        <p:cNvGrpSpPr/>
-        <p:nvPr/>
-      </p:nvGrpSpPr>
-      <p:grpSpPr>
-        <a:xfrm>
-          <a:off x="0" y="0"/>
-          <a:ext cx="0" cy="0"/>
-          <a:chOff x="0" y="0"/>
-          <a:chExt cx="0" cy="0"/>
-        </a:xfrm>
-      </p:grpSpPr>
-      <p:sp>
-        <p:nvSpPr>
-          <p:cNvPr id="2" name="Title 1">
-            <a:extLst>
-              <a:ext uri="{FF2B5EF4-FFF2-40B4-BE49-F238E27FC236}">
-                <a16:creationId xmlns:a16="http://schemas.microsoft.com/office/drawing/2014/main" id="{AE3CE8B8-8455-1913-31F5-C8A759952E32}"/>
-              </a:ext>
-            </a:extLst>
-          </p:cNvPr>
-          <p:cNvSpPr>
-            <a:spLocks noGrp="1"/>
-          </p:cNvSpPr>
-          <p:nvPr>
-            <p:ph type="title"/>
-          </p:nvPr>
-        </p:nvSpPr>
-        <p:spPr>
-          <a:xfrm>
-            <a:off x="1283818" y="97470"/>
-            <a:ext cx="12070080" cy="1931213"/>
-          </a:xfrm>
-        </p:spPr>
-        <p:txBody>
-          <a:bodyPr/>
-          <a:lstStyle/>
-          <a:p>
-            <a:r>
-              <a:rPr lang="en-US" dirty="0"/>
-              <a:t>Coefficient of skewness</a:t>
-            </a:r>
-          </a:p>
-        </p:txBody>
-      </p:sp>
-      <mc:AlternateContent xmlns:mc="http://schemas.openxmlformats.org/markup-compatibility/2006" xmlns:a14="http://schemas.microsoft.com/office/drawing/2010/main">
-        <mc:Choice Requires="a14">
-          <p:sp>
-            <p:nvSpPr>
-              <p:cNvPr id="3" name="Content Placeholder 2">
-                <a:extLst>
-                  <a:ext uri="{FF2B5EF4-FFF2-40B4-BE49-F238E27FC236}">
-                    <a16:creationId xmlns:a16="http://schemas.microsoft.com/office/drawing/2014/main" id="{EFDA7E4E-919B-F425-BAF9-7D2CFB21E498}"/>
-                  </a:ext>
-                </a:extLst>
-              </p:cNvPr>
-              <p:cNvSpPr>
-                <a:spLocks noGrp="1"/>
-              </p:cNvSpPr>
-              <p:nvPr>
-                <p:ph sz="quarter" idx="13"/>
-              </p:nvPr>
-            </p:nvSpPr>
-            <p:spPr>
-              <a:xfrm>
-                <a:off x="1096529" y="2123351"/>
-                <a:ext cx="12436591" cy="4108928"/>
-              </a:xfrm>
-            </p:spPr>
-            <p:txBody>
-              <a:bodyPr>
-                <a:normAutofit/>
-              </a:bodyPr>
-              <a:lstStyle/>
-              <a:p>
-                <a:pPr algn="just"/>
-                <a14:m>
-                  <m:oMath xmlns:m="http://schemas.openxmlformats.org/officeDocument/2006/math">
-                    <m:sSub>
-                      <m:sSubPr>
-                        <m:ctrlPr>
-                          <a:rPr lang="en-US" sz="3200" b="0" i="1" smtClean="0">
-                            <a:latin typeface="Cambria Math" panose="02040503050406030204" pitchFamily="18" charset="0"/>
-                          </a:rPr>
-                        </m:ctrlPr>
-                      </m:sSubPr>
-                      <m:e>
-                        <m:r>
-                          <a:rPr lang="en-US" sz="3200" b="0" i="1" smtClean="0">
-                            <a:latin typeface="Cambria Math" panose="02040503050406030204" pitchFamily="18" charset="0"/>
-                          </a:rPr>
-                          <m:t>𝑆</m:t>
-                        </m:r>
-                      </m:e>
-                      <m:sub>
-                        <m:r>
-                          <a:rPr lang="en-US" sz="3200" b="0" i="1" smtClean="0">
-                            <a:latin typeface="Cambria Math" panose="02040503050406030204" pitchFamily="18" charset="0"/>
-                          </a:rPr>
-                          <m:t>𝑘</m:t>
-                        </m:r>
-                      </m:sub>
-                    </m:sSub>
-                    <m:r>
-                      <a:rPr lang="en-US" sz="3200" b="0" i="1" smtClean="0">
-                        <a:latin typeface="Cambria Math" panose="02040503050406030204" pitchFamily="18" charset="0"/>
-                      </a:rPr>
-                      <m:t>=</m:t>
-                    </m:r>
-                    <m:f>
-                      <m:fPr>
-                        <m:ctrlPr>
-                          <a:rPr lang="en-US" sz="3200" b="0" i="1" smtClean="0">
-                            <a:latin typeface="Cambria Math" panose="02040503050406030204" pitchFamily="18" charset="0"/>
-                          </a:rPr>
-                        </m:ctrlPr>
-                      </m:fPr>
-                      <m:num>
-                        <m:r>
-                          <a:rPr lang="en-US" sz="3200" b="0" i="1" smtClean="0">
-                            <a:latin typeface="Cambria Math" panose="02040503050406030204" pitchFamily="18" charset="0"/>
-                          </a:rPr>
-                          <m:t>3(</m:t>
-                        </m:r>
-                        <m:r>
-                          <a:rPr lang="en-US" sz="3200" b="0" i="1" smtClean="0">
-                            <a:latin typeface="Cambria Math" panose="02040503050406030204" pitchFamily="18" charset="0"/>
-                          </a:rPr>
-                          <m:t>𝑀𝑒𝑎𝑛</m:t>
-                        </m:r>
-                        <m:r>
-                          <a:rPr lang="en-US" sz="3200" b="0" i="1" smtClean="0">
-                            <a:latin typeface="Cambria Math" panose="02040503050406030204" pitchFamily="18" charset="0"/>
-                          </a:rPr>
-                          <m:t>−</m:t>
-                        </m:r>
-                        <m:r>
-                          <a:rPr lang="en-US" sz="3200" b="0" i="1" smtClean="0">
-                            <a:latin typeface="Cambria Math" panose="02040503050406030204" pitchFamily="18" charset="0"/>
-                          </a:rPr>
-                          <m:t>𝑀𝑒𝑑𝑖𝑎𝑛</m:t>
-                        </m:r>
-                        <m:r>
-                          <a:rPr lang="en-US" sz="3200" b="0" i="1" smtClean="0">
-                            <a:latin typeface="Cambria Math" panose="02040503050406030204" pitchFamily="18" charset="0"/>
-                          </a:rPr>
-                          <m:t>)</m:t>
-                        </m:r>
-                      </m:num>
-                      <m:den>
-                        <m:r>
-                          <a:rPr lang="en-US" sz="3200" b="0" i="1" smtClean="0">
-                            <a:latin typeface="Cambria Math" panose="02040503050406030204" pitchFamily="18" charset="0"/>
-                          </a:rPr>
-                          <m:t>𝑆𝑡𝑎𝑛𝑑𝑎𝑟𝑑</m:t>
-                        </m:r>
-                        <m:r>
-                          <a:rPr lang="en-US" sz="3200" b="0" i="1" smtClean="0">
-                            <a:latin typeface="Cambria Math" panose="02040503050406030204" pitchFamily="18" charset="0"/>
-                          </a:rPr>
-                          <m:t> </m:t>
-                        </m:r>
-                        <m:r>
-                          <a:rPr lang="en-US" sz="3200" b="0" i="1" smtClean="0">
-                            <a:latin typeface="Cambria Math" panose="02040503050406030204" pitchFamily="18" charset="0"/>
-                          </a:rPr>
-                          <m:t>𝐷𝑒𝑣𝑖𝑎𝑡𝑖𝑜𝑛</m:t>
-                        </m:r>
-                      </m:den>
-                    </m:f>
-                  </m:oMath>
-                </a14:m>
-                <a:endParaRPr lang="en-US" sz="3200" i="1" dirty="0"/>
-              </a:p>
-            </p:txBody>
-          </p:sp>
-        </mc:Choice>
-        <mc:Fallback xmlns="">
-          <p:sp>
-            <p:nvSpPr>
-              <p:cNvPr id="3" name="Content Placeholder 2">
-                <a:extLst>
-                  <a:ext uri="{FF2B5EF4-FFF2-40B4-BE49-F238E27FC236}">
-                    <a16:creationId xmlns:a16="http://schemas.microsoft.com/office/drawing/2014/main" id="{EFDA7E4E-919B-F425-BAF9-7D2CFB21E498}"/>
-                  </a:ext>
-                </a:extLst>
-              </p:cNvPr>
-              <p:cNvSpPr>
-                <a:spLocks noGrp="1" noRot="1" noChangeAspect="1" noMove="1" noResize="1" noEditPoints="1" noAdjustHandles="1" noChangeArrowheads="1" noChangeShapeType="1" noTextEdit="1"/>
-              </p:cNvSpPr>
-              <p:nvPr>
-                <p:ph sz="quarter" idx="13"/>
-              </p:nvPr>
-            </p:nvSpPr>
-            <p:spPr>
-              <a:xfrm>
-                <a:off x="1096529" y="2123351"/>
-                <a:ext cx="12436591" cy="4108928"/>
-              </a:xfrm>
-              <a:blipFill>
-                <a:blip r:embed="rId3"/>
-                <a:stretch>
-                  <a:fillRect/>
-                </a:stretch>
-              </a:blipFill>
-            </p:spPr>
-            <p:txBody>
-              <a:bodyPr/>
-              <a:lstStyle/>
-              <a:p>
-                <a:r>
-                  <a:rPr lang="en-US">
-                    <a:noFill/>
-                  </a:rPr>
-                  <a:t> </a:t>
-                </a:r>
-              </a:p>
-            </p:txBody>
-          </p:sp>
-        </mc:Fallback>
-      </mc:AlternateContent>
-      <mc:AlternateContent xmlns:mc="http://schemas.openxmlformats.org/markup-compatibility/2006" xmlns:a14="http://schemas.microsoft.com/office/drawing/2010/main">
-        <mc:Choice Requires="a14">
-          <p:sp>
-            <p:nvSpPr>
-              <p:cNvPr id="4" name="Text Box 2">
-                <a:extLst>
-                  <a:ext uri="{FF2B5EF4-FFF2-40B4-BE49-F238E27FC236}">
-                    <a16:creationId xmlns:a16="http://schemas.microsoft.com/office/drawing/2014/main" id="{ACE1DFA8-04EA-3C3F-5142-669B7A5851B9}"/>
-                  </a:ext>
-                </a:extLst>
-              </p:cNvPr>
-              <p:cNvSpPr txBox="1">
-                <a:spLocks noChangeArrowheads="1"/>
-              </p:cNvSpPr>
-              <p:nvPr/>
-            </p:nvSpPr>
-            <p:spPr bwMode="auto">
-              <a:xfrm>
-                <a:off x="1096529" y="4177988"/>
-                <a:ext cx="5206482" cy="1660279"/>
-              </a:xfrm>
-              <a:prstGeom prst="rect">
-                <a:avLst/>
-              </a:prstGeom>
-              <a:solidFill>
-                <a:schemeClr val="accent4">
-                  <a:lumMod val="40000"/>
-                  <a:lumOff val="60000"/>
-                </a:schemeClr>
-              </a:solidFill>
-              <a:ln w="12700">
-                <a:solidFill>
-                  <a:schemeClr val="tx1"/>
-                </a:solidFill>
-                <a:miter lim="800000"/>
-                <a:headEnd/>
-                <a:tailEnd/>
-              </a:ln>
-            </p:spPr>
-            <p:txBody>
-              <a:bodyPr rot="0" vert="horz" wrap="square" lIns="91440" tIns="45720" rIns="91440" bIns="45720" anchor="t" anchorCtr="0">
-                <a:noAutofit/>
-              </a:bodyPr>
-              <a:lstStyle/>
-              <a:p>
-                <a:pPr marL="457200" marR="0" indent="-457200">
-                  <a:lnSpc>
-                    <a:spcPct val="115000"/>
-                  </a:lnSpc>
-                  <a:spcBef>
-                    <a:spcPts val="0"/>
-                  </a:spcBef>
-                  <a:spcAft>
-                    <a:spcPts val="0"/>
-                  </a:spcAft>
-                  <a:buFont typeface="Arial" panose="020B0604020202020204" pitchFamily="34" charset="0"/>
-                  <a:buChar char="•"/>
-                </a:pPr>
-                <a14:m>
-                  <m:oMath xmlns:m="http://schemas.openxmlformats.org/officeDocument/2006/math">
-                    <m:sSub>
-                      <m:sSubPr>
-                        <m:ctrlPr>
-                          <a:rPr lang="en-US" sz="2800" b="1" i="1" kern="100">
-                            <a:effectLst/>
-                            <a:latin typeface="Cambria Math" panose="02040503050406030204" pitchFamily="18" charset="0"/>
-                            <a:ea typeface="Calibri" panose="020F0502020204030204" pitchFamily="34" charset="0"/>
-                            <a:cs typeface="Vrinda" panose="020B0502040204020203" pitchFamily="34" charset="0"/>
-                          </a:rPr>
-                        </m:ctrlPr>
-                      </m:sSubPr>
-                      <m:e>
-                        <m:r>
-                          <a:rPr lang="en-US" sz="2800" b="1" i="1" kern="100">
-                            <a:effectLst/>
-                            <a:latin typeface="Cambria Math" panose="02040503050406030204" pitchFamily="18" charset="0"/>
-                            <a:ea typeface="Calibri" panose="020F0502020204030204" pitchFamily="34" charset="0"/>
-                            <a:cs typeface="Vrinda" panose="020B0502040204020203" pitchFamily="34" charset="0"/>
-                          </a:rPr>
-                          <m:t>𝑺</m:t>
-                        </m:r>
-                      </m:e>
-                      <m:sub>
-                        <m:r>
-                          <a:rPr lang="en-US" sz="2800" b="1" i="1" kern="100">
-                            <a:effectLst/>
-                            <a:latin typeface="Cambria Math" panose="02040503050406030204" pitchFamily="18" charset="0"/>
-                            <a:ea typeface="Calibri" panose="020F0502020204030204" pitchFamily="34" charset="0"/>
-                            <a:cs typeface="Vrinda" panose="020B0502040204020203" pitchFamily="34" charset="0"/>
-                          </a:rPr>
-                          <m:t>𝒌</m:t>
-                        </m:r>
-                      </m:sub>
-                    </m:sSub>
-                    <m:r>
-                      <a:rPr lang="en-US" sz="2800" b="1" i="1" kern="100">
-                        <a:effectLst/>
-                        <a:latin typeface="Cambria Math" panose="02040503050406030204" pitchFamily="18" charset="0"/>
-                        <a:ea typeface="Calibri" panose="020F0502020204030204" pitchFamily="34" charset="0"/>
-                        <a:cs typeface="Vrinda" panose="020B0502040204020203" pitchFamily="34" charset="0"/>
-                      </a:rPr>
-                      <m:t>&gt;</m:t>
-                    </m:r>
-                    <m:r>
-                      <a:rPr lang="en-US" sz="2800" b="1" i="1" kern="100">
-                        <a:effectLst/>
-                        <a:latin typeface="Cambria Math" panose="02040503050406030204" pitchFamily="18" charset="0"/>
-                        <a:ea typeface="Calibri" panose="020F0502020204030204" pitchFamily="34" charset="0"/>
-                        <a:cs typeface="Vrinda" panose="020B0502040204020203" pitchFamily="34" charset="0"/>
-                      </a:rPr>
-                      <m:t>𝟎</m:t>
-                    </m:r>
-                    <m:r>
-                      <a:rPr lang="en-US" sz="2800" b="1" i="1" kern="100">
-                        <a:effectLst/>
-                        <a:latin typeface="Cambria Math" panose="02040503050406030204" pitchFamily="18" charset="0"/>
-                        <a:ea typeface="Calibri" panose="020F0502020204030204" pitchFamily="34" charset="0"/>
-                        <a:cs typeface="Vrinda" panose="020B0502040204020203" pitchFamily="34" charset="0"/>
-                      </a:rPr>
-                      <m:t>:</m:t>
-                    </m:r>
-                    <m:r>
-                      <a:rPr lang="en-US" sz="2800" b="1" i="1" kern="100">
-                        <a:effectLst/>
-                        <a:latin typeface="Cambria Math" panose="02040503050406030204" pitchFamily="18" charset="0"/>
-                        <a:ea typeface="Calibri" panose="020F0502020204030204" pitchFamily="34" charset="0"/>
-                        <a:cs typeface="Vrinda" panose="020B0502040204020203" pitchFamily="34" charset="0"/>
-                      </a:rPr>
-                      <m:t>𝑷𝒐𝒔𝒊𝒕𝒊𝒗𝒆𝒍𝒚</m:t>
-                    </m:r>
-                    <m:r>
-                      <a:rPr lang="en-US" sz="2800" b="1" i="1" kern="100">
-                        <a:effectLst/>
-                        <a:latin typeface="Cambria Math" panose="02040503050406030204" pitchFamily="18" charset="0"/>
-                        <a:ea typeface="Calibri" panose="020F0502020204030204" pitchFamily="34" charset="0"/>
-                        <a:cs typeface="Vrinda" panose="020B0502040204020203" pitchFamily="34" charset="0"/>
-                      </a:rPr>
-                      <m:t> </m:t>
-                    </m:r>
-                    <m:r>
-                      <a:rPr lang="en-US" sz="2800" b="1" i="1" kern="100">
-                        <a:effectLst/>
-                        <a:latin typeface="Cambria Math" panose="02040503050406030204" pitchFamily="18" charset="0"/>
-                        <a:ea typeface="Calibri" panose="020F0502020204030204" pitchFamily="34" charset="0"/>
-                        <a:cs typeface="Vrinda" panose="020B0502040204020203" pitchFamily="34" charset="0"/>
-                      </a:rPr>
-                      <m:t>𝒔𝒌𝒆𝒘𝒆𝒅</m:t>
-                    </m:r>
-                  </m:oMath>
-                </a14:m>
-                <a:endParaRPr lang="en-US" sz="2800" kern="100" dirty="0">
-                  <a:effectLst/>
-                  <a:latin typeface="Calibri" panose="020F0502020204030204" pitchFamily="34" charset="0"/>
-                  <a:ea typeface="Calibri" panose="020F0502020204030204" pitchFamily="34" charset="0"/>
-                  <a:cs typeface="Vrinda" panose="020B0502040204020203" pitchFamily="34" charset="0"/>
-                </a:endParaRPr>
-              </a:p>
-              <a:p>
-                <a:pPr marL="457200" marR="0" indent="-457200">
-                  <a:lnSpc>
-                    <a:spcPct val="115000"/>
-                  </a:lnSpc>
-                  <a:spcBef>
-                    <a:spcPts val="0"/>
-                  </a:spcBef>
-                  <a:spcAft>
-                    <a:spcPts val="0"/>
-                  </a:spcAft>
-                  <a:buFont typeface="Arial" panose="020B0604020202020204" pitchFamily="34" charset="0"/>
-                  <a:buChar char="•"/>
-                </a:pPr>
-                <a14:m>
-                  <m:oMath xmlns:m="http://schemas.openxmlformats.org/officeDocument/2006/math">
-                    <m:sSub>
-                      <m:sSubPr>
-                        <m:ctrlPr>
-                          <a:rPr lang="en-US" sz="2800" b="1" i="1" kern="100">
-                            <a:effectLst/>
-                            <a:latin typeface="Cambria Math" panose="02040503050406030204" pitchFamily="18" charset="0"/>
-                            <a:ea typeface="Calibri" panose="020F0502020204030204" pitchFamily="34" charset="0"/>
-                            <a:cs typeface="Vrinda" panose="020B0502040204020203" pitchFamily="34" charset="0"/>
-                          </a:rPr>
-                        </m:ctrlPr>
-                      </m:sSubPr>
-                      <m:e>
-                        <m:r>
-                          <a:rPr lang="en-US" sz="2800" b="1" i="1" kern="100">
-                            <a:effectLst/>
-                            <a:latin typeface="Cambria Math" panose="02040503050406030204" pitchFamily="18" charset="0"/>
-                            <a:ea typeface="Calibri" panose="020F0502020204030204" pitchFamily="34" charset="0"/>
-                            <a:cs typeface="Vrinda" panose="020B0502040204020203" pitchFamily="34" charset="0"/>
-                          </a:rPr>
-                          <m:t>𝑺</m:t>
-                        </m:r>
-                      </m:e>
-                      <m:sub>
-                        <m:r>
-                          <a:rPr lang="en-US" sz="2800" b="1" i="1" kern="100">
-                            <a:effectLst/>
-                            <a:latin typeface="Cambria Math" panose="02040503050406030204" pitchFamily="18" charset="0"/>
-                            <a:ea typeface="Calibri" panose="020F0502020204030204" pitchFamily="34" charset="0"/>
-                            <a:cs typeface="Vrinda" panose="020B0502040204020203" pitchFamily="34" charset="0"/>
-                          </a:rPr>
-                          <m:t>𝒌</m:t>
-                        </m:r>
-                      </m:sub>
-                    </m:sSub>
-                    <m:r>
-                      <a:rPr lang="en-US" sz="2800" b="1" i="1" kern="100">
-                        <a:effectLst/>
-                        <a:latin typeface="Cambria Math" panose="02040503050406030204" pitchFamily="18" charset="0"/>
-                        <a:ea typeface="Calibri" panose="020F0502020204030204" pitchFamily="34" charset="0"/>
-                        <a:cs typeface="Vrinda" panose="020B0502040204020203" pitchFamily="34" charset="0"/>
-                      </a:rPr>
-                      <m:t>&lt;</m:t>
-                    </m:r>
-                    <m:r>
-                      <a:rPr lang="en-US" sz="2800" b="1" i="1" kern="100">
-                        <a:effectLst/>
-                        <a:latin typeface="Cambria Math" panose="02040503050406030204" pitchFamily="18" charset="0"/>
-                        <a:ea typeface="Calibri" panose="020F0502020204030204" pitchFamily="34" charset="0"/>
-                        <a:cs typeface="Vrinda" panose="020B0502040204020203" pitchFamily="34" charset="0"/>
-                      </a:rPr>
-                      <m:t>𝟎</m:t>
-                    </m:r>
-                    <m:r>
-                      <a:rPr lang="en-US" sz="2800" b="1" i="1" kern="100">
-                        <a:effectLst/>
-                        <a:latin typeface="Cambria Math" panose="02040503050406030204" pitchFamily="18" charset="0"/>
-                        <a:ea typeface="Times New Roman" panose="02020603050405020304" pitchFamily="18" charset="0"/>
-                        <a:cs typeface="Vrinda" panose="020B0502040204020203" pitchFamily="34" charset="0"/>
-                      </a:rPr>
-                      <m:t>:</m:t>
-                    </m:r>
-                    <m:r>
-                      <a:rPr lang="en-US" sz="2800" b="1" i="1" kern="100">
-                        <a:effectLst/>
-                        <a:latin typeface="Cambria Math" panose="02040503050406030204" pitchFamily="18" charset="0"/>
-                        <a:ea typeface="Times New Roman" panose="02020603050405020304" pitchFamily="18" charset="0"/>
-                        <a:cs typeface="Vrinda" panose="020B0502040204020203" pitchFamily="34" charset="0"/>
-                      </a:rPr>
-                      <m:t>𝑵𝒆𝒈𝒂𝒕𝒊𝒗𝒆𝒍𝒚</m:t>
-                    </m:r>
-                    <m:r>
-                      <a:rPr lang="en-US" sz="2800" b="1" i="1" kern="100">
-                        <a:effectLst/>
-                        <a:latin typeface="Cambria Math" panose="02040503050406030204" pitchFamily="18" charset="0"/>
-                        <a:ea typeface="Times New Roman" panose="02020603050405020304" pitchFamily="18" charset="0"/>
-                        <a:cs typeface="Vrinda" panose="020B0502040204020203" pitchFamily="34" charset="0"/>
-                      </a:rPr>
-                      <m:t> </m:t>
-                    </m:r>
-                    <m:r>
-                      <a:rPr lang="en-US" sz="2800" b="1" i="1" kern="100">
-                        <a:effectLst/>
-                        <a:latin typeface="Cambria Math" panose="02040503050406030204" pitchFamily="18" charset="0"/>
-                        <a:ea typeface="Times New Roman" panose="02020603050405020304" pitchFamily="18" charset="0"/>
-                        <a:cs typeface="Vrinda" panose="020B0502040204020203" pitchFamily="34" charset="0"/>
-                      </a:rPr>
-                      <m:t>𝒔𝒌𝒆𝒘𝒆𝒅</m:t>
-                    </m:r>
-                  </m:oMath>
-                </a14:m>
-                <a:endParaRPr lang="en-US" sz="2800" kern="100" dirty="0">
-                  <a:effectLst/>
-                  <a:latin typeface="Calibri" panose="020F0502020204030204" pitchFamily="34" charset="0"/>
-                  <a:ea typeface="Calibri" panose="020F0502020204030204" pitchFamily="34" charset="0"/>
-                  <a:cs typeface="Vrinda" panose="020B0502040204020203" pitchFamily="34" charset="0"/>
-                </a:endParaRPr>
-              </a:p>
-              <a:p>
-                <a:pPr marL="457200" marR="0" indent="-457200">
-                  <a:lnSpc>
-                    <a:spcPct val="115000"/>
-                  </a:lnSpc>
-                  <a:spcBef>
-                    <a:spcPts val="0"/>
-                  </a:spcBef>
-                  <a:spcAft>
-                    <a:spcPts val="0"/>
-                  </a:spcAft>
-                  <a:buFont typeface="Arial" panose="020B0604020202020204" pitchFamily="34" charset="0"/>
-                  <a:buChar char="•"/>
-                </a:pPr>
-                <a14:m>
-                  <m:oMath xmlns:m="http://schemas.openxmlformats.org/officeDocument/2006/math">
-                    <m:sSub>
-                      <m:sSubPr>
-                        <m:ctrlPr>
-                          <a:rPr lang="en-US" sz="2800" b="1" i="1" kern="100">
-                            <a:effectLst/>
-                            <a:latin typeface="Cambria Math" panose="02040503050406030204" pitchFamily="18" charset="0"/>
-                            <a:ea typeface="Calibri" panose="020F0502020204030204" pitchFamily="34" charset="0"/>
-                            <a:cs typeface="Vrinda" panose="020B0502040204020203" pitchFamily="34" charset="0"/>
-                          </a:rPr>
-                        </m:ctrlPr>
-                      </m:sSubPr>
-                      <m:e>
-                        <m:r>
-                          <a:rPr lang="en-US" sz="2800" b="1" i="1" kern="100">
-                            <a:effectLst/>
-                            <a:latin typeface="Cambria Math" panose="02040503050406030204" pitchFamily="18" charset="0"/>
-                            <a:ea typeface="Calibri" panose="020F0502020204030204" pitchFamily="34" charset="0"/>
-                            <a:cs typeface="Vrinda" panose="020B0502040204020203" pitchFamily="34" charset="0"/>
-                          </a:rPr>
-                          <m:t>𝑺</m:t>
-                        </m:r>
-                      </m:e>
-                      <m:sub>
-                        <m:r>
-                          <a:rPr lang="en-US" sz="2800" b="1" i="1" kern="100">
-                            <a:effectLst/>
-                            <a:latin typeface="Cambria Math" panose="02040503050406030204" pitchFamily="18" charset="0"/>
-                            <a:ea typeface="Calibri" panose="020F0502020204030204" pitchFamily="34" charset="0"/>
-                            <a:cs typeface="Vrinda" panose="020B0502040204020203" pitchFamily="34" charset="0"/>
-                          </a:rPr>
-                          <m:t>𝒌</m:t>
-                        </m:r>
-                      </m:sub>
-                    </m:sSub>
-                    <m:r>
-                      <a:rPr lang="en-US" sz="2800" b="1" i="1" kern="100">
-                        <a:effectLst/>
-                        <a:latin typeface="Cambria Math" panose="02040503050406030204" pitchFamily="18" charset="0"/>
-                        <a:ea typeface="Calibri" panose="020F0502020204030204" pitchFamily="34" charset="0"/>
-                        <a:cs typeface="Vrinda" panose="020B0502040204020203" pitchFamily="34" charset="0"/>
-                      </a:rPr>
-                      <m:t>=</m:t>
-                    </m:r>
-                    <m:r>
-                      <a:rPr lang="en-US" sz="2800" b="1" i="1" kern="100">
-                        <a:effectLst/>
-                        <a:latin typeface="Cambria Math" panose="02040503050406030204" pitchFamily="18" charset="0"/>
-                        <a:ea typeface="Calibri" panose="020F0502020204030204" pitchFamily="34" charset="0"/>
-                        <a:cs typeface="Vrinda" panose="020B0502040204020203" pitchFamily="34" charset="0"/>
-                      </a:rPr>
-                      <m:t>𝟎</m:t>
-                    </m:r>
-                    <m:r>
-                      <a:rPr lang="en-US" sz="2800" b="1" i="1" kern="100">
-                        <a:effectLst/>
-                        <a:latin typeface="Cambria Math" panose="02040503050406030204" pitchFamily="18" charset="0"/>
-                        <a:ea typeface="Times New Roman" panose="02020603050405020304" pitchFamily="18" charset="0"/>
-                        <a:cs typeface="Vrinda" panose="020B0502040204020203" pitchFamily="34" charset="0"/>
-                      </a:rPr>
-                      <m:t>:</m:t>
-                    </m:r>
-                    <m:r>
-                      <a:rPr lang="en-US" sz="2800" b="1" i="1" kern="100">
-                        <a:effectLst/>
-                        <a:latin typeface="Cambria Math" panose="02040503050406030204" pitchFamily="18" charset="0"/>
-                        <a:ea typeface="Times New Roman" panose="02020603050405020304" pitchFamily="18" charset="0"/>
-                        <a:cs typeface="Vrinda" panose="020B0502040204020203" pitchFamily="34" charset="0"/>
-                      </a:rPr>
-                      <m:t>𝑺𝒚𝒎𝒎𝒆𝒕𝒓𝒊𝒄</m:t>
-                    </m:r>
-                  </m:oMath>
-                </a14:m>
-                <a:endParaRPr lang="en-US" sz="2800" kern="100" dirty="0">
-                  <a:effectLst/>
-                  <a:latin typeface="Calibri" panose="020F0502020204030204" pitchFamily="34" charset="0"/>
-                  <a:ea typeface="Calibri" panose="020F0502020204030204" pitchFamily="34" charset="0"/>
-                  <a:cs typeface="Vrinda" panose="020B0502040204020203" pitchFamily="34" charset="0"/>
-                </a:endParaRPr>
-              </a:p>
-            </p:txBody>
-          </p:sp>
-        </mc:Choice>
-        <mc:Fallback xmlns="">
-          <p:sp>
-            <p:nvSpPr>
-              <p:cNvPr id="4" name="Text Box 2">
-                <a:extLst>
-                  <a:ext uri="{FF2B5EF4-FFF2-40B4-BE49-F238E27FC236}">
-                    <a16:creationId xmlns:a16="http://schemas.microsoft.com/office/drawing/2014/main" id="{ACE1DFA8-04EA-3C3F-5142-669B7A5851B9}"/>
-                  </a:ext>
-                </a:extLst>
-              </p:cNvPr>
-              <p:cNvSpPr txBox="1">
-                <a:spLocks noRot="1" noChangeAspect="1" noMove="1" noResize="1" noEditPoints="1" noAdjustHandles="1" noChangeArrowheads="1" noChangeShapeType="1" noTextEdit="1"/>
-              </p:cNvSpPr>
-              <p:nvPr/>
-            </p:nvSpPr>
-            <p:spPr bwMode="auto">
-              <a:xfrm>
-                <a:off x="1096529" y="4177988"/>
-                <a:ext cx="5206482" cy="1660279"/>
-              </a:xfrm>
-              <a:prstGeom prst="rect">
-                <a:avLst/>
-              </a:prstGeom>
-              <a:blipFill>
-                <a:blip r:embed="rId4"/>
-                <a:stretch>
-                  <a:fillRect/>
-                </a:stretch>
-              </a:blipFill>
-              <a:ln w="12700">
-                <a:solidFill>
-                  <a:schemeClr val="tx1"/>
-                </a:solidFill>
-                <a:miter lim="800000"/>
-                <a:headEnd/>
-                <a:tailEnd/>
-              </a:ln>
-            </p:spPr>
-            <p:txBody>
-              <a:bodyPr/>
-              <a:lstStyle/>
-              <a:p>
-                <a:r>
-                  <a:rPr lang="en-US">
-                    <a:noFill/>
-                  </a:rPr>
-                  <a:t> </a:t>
-                </a:r>
-              </a:p>
-            </p:txBody>
-          </p:sp>
-        </mc:Fallback>
-      </mc:AlternateContent>
-      <p:sp>
-        <p:nvSpPr>
-          <p:cNvPr id="7" name="TextBox 6">
-            <a:extLst>
-              <a:ext uri="{FF2B5EF4-FFF2-40B4-BE49-F238E27FC236}">
-                <a16:creationId xmlns:a16="http://schemas.microsoft.com/office/drawing/2014/main" id="{30C0AC85-BE27-8429-AFEC-07A88ADD45D9}"/>
-              </a:ext>
-            </a:extLst>
-          </p:cNvPr>
-          <p:cNvSpPr txBox="1"/>
-          <p:nvPr/>
-        </p:nvSpPr>
-        <p:spPr>
-          <a:xfrm>
-            <a:off x="6550091" y="1791478"/>
             <a:ext cx="7893698" cy="3046988"/>
           </a:xfrm>
           <a:prstGeom prst="rect">
@@ -11213,7 +10491,7 @@
 </p:sld>
 </file>
 
-<file path=ppt/slides/slide12.xml><?xml version="1.0" encoding="utf-8"?>
+<file path=ppt/slides/slide11.xml><?xml version="1.0" encoding="utf-8"?>
 <p:sld xmlns:a="http://schemas.openxmlformats.org/drawingml/2006/main" xmlns:r="http://schemas.openxmlformats.org/officeDocument/2006/relationships" xmlns:p="http://schemas.openxmlformats.org/presentationml/2006/main">
   <p:cSld>
     <p:spTree>
@@ -11948,7 +11226,7 @@
 </p:sld>
 </file>
 
-<file path=ppt/slides/slide13.xml><?xml version="1.0" encoding="utf-8"?>
+<file path=ppt/slides/slide12.xml><?xml version="1.0" encoding="utf-8"?>
 <p:sld xmlns:a="http://schemas.openxmlformats.org/drawingml/2006/main" xmlns:r="http://schemas.openxmlformats.org/officeDocument/2006/relationships" xmlns:p="http://schemas.openxmlformats.org/presentationml/2006/main">
   <p:cSld>
     <p:spTree>
@@ -12887,7 +12165,7 @@
 </p:sld>
 </file>
 
-<file path=ppt/slides/slide14.xml><?xml version="1.0" encoding="utf-8"?>
+<file path=ppt/slides/slide13.xml><?xml version="1.0" encoding="utf-8"?>
 <p:sld xmlns:a="http://schemas.openxmlformats.org/drawingml/2006/main" xmlns:r="http://schemas.openxmlformats.org/officeDocument/2006/relationships" xmlns:p="http://schemas.openxmlformats.org/presentationml/2006/main">
   <p:cSld>
     <p:spTree>
@@ -13875,7 +13153,7 @@
 </p:sld>
 </file>
 
-<file path=ppt/slides/slide15.xml><?xml version="1.0" encoding="utf-8"?>
+<file path=ppt/slides/slide14.xml><?xml version="1.0" encoding="utf-8"?>
 <p:sld xmlns:a="http://schemas.openxmlformats.org/drawingml/2006/main" xmlns:r="http://schemas.openxmlformats.org/officeDocument/2006/relationships" xmlns:p="http://schemas.openxmlformats.org/presentationml/2006/main">
   <p:cSld>
     <p:spTree>
@@ -16412,7 +15690,7 @@
 </p:sld>
 </file>
 
-<file path=ppt/slides/slide16.xml><?xml version="1.0" encoding="utf-8"?>
+<file path=ppt/slides/slide15.xml><?xml version="1.0" encoding="utf-8"?>
 <p:sld xmlns:a="http://schemas.openxmlformats.org/drawingml/2006/main" xmlns:r="http://schemas.openxmlformats.org/officeDocument/2006/relationships" xmlns:p="http://schemas.openxmlformats.org/presentationml/2006/main">
   <p:cSld>
     <p:spTree>
@@ -16947,7 +16225,7 @@
 </p:sld>
 </file>
 
-<file path=ppt/slides/slide17.xml><?xml version="1.0" encoding="utf-8"?>
+<file path=ppt/slides/slide16.xml><?xml version="1.0" encoding="utf-8"?>
 <p:sld xmlns:a="http://schemas.openxmlformats.org/drawingml/2006/main" xmlns:r="http://schemas.openxmlformats.org/officeDocument/2006/relationships" xmlns:p="http://schemas.openxmlformats.org/presentationml/2006/main">
   <p:cSld>
     <p:spTree>
@@ -17823,7 +17101,7 @@
 </p:sld>
 </file>
 
-<file path=ppt/slides/slide18.xml><?xml version="1.0" encoding="utf-8"?>
+<file path=ppt/slides/slide17.xml><?xml version="1.0" encoding="utf-8"?>
 <p:sld xmlns:a="http://schemas.openxmlformats.org/drawingml/2006/main" xmlns:r="http://schemas.openxmlformats.org/officeDocument/2006/relationships" xmlns:p="http://schemas.openxmlformats.org/presentationml/2006/main">
   <p:cSld>
     <p:spTree>
@@ -21054,7 +20332,7 @@
 </p:sld>
 </file>
 
-<file path=ppt/slides/slide19.xml><?xml version="1.0" encoding="utf-8"?>
+<file path=ppt/slides/slide18.xml><?xml version="1.0" encoding="utf-8"?>
 <p:sld xmlns:a="http://schemas.openxmlformats.org/drawingml/2006/main" xmlns:r="http://schemas.openxmlformats.org/officeDocument/2006/relationships" xmlns:p="http://schemas.openxmlformats.org/presentationml/2006/main">
   <p:cSld>
     <p:spTree>
@@ -25311,517 +24589,7 @@
 </p:sld>
 </file>
 
-<file path=ppt/slides/slide2.xml><?xml version="1.0" encoding="utf-8"?>
-<p:sld xmlns:a="http://schemas.openxmlformats.org/drawingml/2006/main" xmlns:r="http://schemas.openxmlformats.org/officeDocument/2006/relationships" xmlns:p="http://schemas.openxmlformats.org/presentationml/2006/main">
-  <p:cSld>
-    <p:spTree>
-      <p:nvGrpSpPr>
-        <p:cNvPr id="1" name=""/>
-        <p:cNvGrpSpPr/>
-        <p:nvPr/>
-      </p:nvGrpSpPr>
-      <p:grpSpPr>
-        <a:xfrm>
-          <a:off x="0" y="0"/>
-          <a:ext cx="0" cy="0"/>
-          <a:chOff x="0" y="0"/>
-          <a:chExt cx="0" cy="0"/>
-        </a:xfrm>
-      </p:grpSpPr>
-      <p:sp>
-        <p:nvSpPr>
-          <p:cNvPr id="2" name="Title 1">
-            <a:extLst>
-              <a:ext uri="{FF2B5EF4-FFF2-40B4-BE49-F238E27FC236}">
-                <a16:creationId xmlns:a16="http://schemas.microsoft.com/office/drawing/2014/main" id="{AE3CE8B8-8455-1913-31F5-C8A759952E32}"/>
-              </a:ext>
-            </a:extLst>
-          </p:cNvPr>
-          <p:cNvSpPr>
-            <a:spLocks noGrp="1"/>
-          </p:cNvSpPr>
-          <p:nvPr>
-            <p:ph type="title"/>
-          </p:nvPr>
-        </p:nvSpPr>
-        <p:spPr>
-          <a:xfrm>
-            <a:off x="1283818" y="97470"/>
-            <a:ext cx="12070080" cy="1931213"/>
-          </a:xfrm>
-        </p:spPr>
-        <p:txBody>
-          <a:bodyPr/>
-          <a:lstStyle/>
-          <a:p>
-            <a:r>
-              <a:rPr lang="en-US" dirty="0"/>
-              <a:t>Shape of the distribution</a:t>
-            </a:r>
-          </a:p>
-        </p:txBody>
-      </p:sp>
-      <p:sp>
-        <p:nvSpPr>
-          <p:cNvPr id="3" name="Content Placeholder 2">
-            <a:extLst>
-              <a:ext uri="{FF2B5EF4-FFF2-40B4-BE49-F238E27FC236}">
-                <a16:creationId xmlns:a16="http://schemas.microsoft.com/office/drawing/2014/main" id="{EFDA7E4E-919B-F425-BAF9-7D2CFB21E498}"/>
-              </a:ext>
-            </a:extLst>
-          </p:cNvPr>
-          <p:cNvSpPr>
-            <a:spLocks noGrp="1"/>
-          </p:cNvSpPr>
-          <p:nvPr>
-            <p:ph sz="quarter" idx="13"/>
-          </p:nvPr>
-        </p:nvSpPr>
-        <p:spPr>
-          <a:xfrm>
-            <a:off x="1096529" y="2123351"/>
-            <a:ext cx="12436591" cy="4108928"/>
-          </a:xfrm>
-        </p:spPr>
-        <p:txBody>
-          <a:bodyPr>
-            <a:normAutofit lnSpcReduction="10000"/>
-          </a:bodyPr>
-          <a:lstStyle/>
-          <a:p>
-            <a:pPr algn="just"/>
-            <a:r>
-              <a:rPr lang="en-US" sz="3200" dirty="0"/>
-              <a:t>In previous chapter, we learned about “Location” and “Dispersion” which are two important quantitative concepts.</a:t>
-            </a:r>
-          </a:p>
-          <a:p>
-            <a:pPr algn="just"/>
-            <a:endParaRPr lang="en-US" sz="3200" dirty="0"/>
-          </a:p>
-          <a:p>
-            <a:pPr algn="just"/>
-            <a:r>
-              <a:rPr lang="en-US" sz="3200" dirty="0"/>
-              <a:t>Two data sets may have identical means and identical variance, but their graphical shapes may be different</a:t>
-            </a:r>
-          </a:p>
-          <a:p>
-            <a:pPr algn="just"/>
-            <a:endParaRPr lang="en-US" sz="3200" dirty="0"/>
-          </a:p>
-          <a:p>
-            <a:pPr algn="just"/>
-            <a:r>
-              <a:rPr lang="en-US" sz="3200" dirty="0">
-                <a:solidFill>
-                  <a:schemeClr val="bg1"/>
-                </a:solidFill>
-              </a:rPr>
-              <a:t>Mean &amp; Variance fail to describe the shape of the data distribution</a:t>
-            </a:r>
-          </a:p>
-          <a:p>
-            <a:pPr algn="just"/>
-            <a:endParaRPr lang="en-US" sz="3200" dirty="0"/>
-          </a:p>
-        </p:txBody>
-      </p:sp>
-      <p:pic>
-        <p:nvPicPr>
-          <p:cNvPr id="5" name="Picture 4">
-            <a:extLst>
-              <a:ext uri="{FF2B5EF4-FFF2-40B4-BE49-F238E27FC236}">
-                <a16:creationId xmlns:a16="http://schemas.microsoft.com/office/drawing/2014/main" id="{3936E254-51B4-8989-C4C4-0F4132F617A0}"/>
-              </a:ext>
-            </a:extLst>
-          </p:cNvPr>
-          <p:cNvPicPr>
-            <a:picLocks noChangeAspect="1"/>
-          </p:cNvPicPr>
-          <p:nvPr/>
-        </p:nvPicPr>
-        <p:blipFill>
-          <a:blip r:embed="rId2">
-            <a:extLst>
-              <a:ext uri="{28A0092B-C50C-407E-A947-70E740481C1C}">
-                <a14:useLocalDpi xmlns:a14="http://schemas.microsoft.com/office/drawing/2010/main" val="0"/>
-              </a:ext>
-            </a:extLst>
-          </a:blip>
-          <a:stretch>
-            <a:fillRect/>
-          </a:stretch>
-        </p:blipFill>
-        <p:spPr>
-          <a:xfrm>
-            <a:off x="1096529" y="4571876"/>
-            <a:ext cx="3657723" cy="3657723"/>
-          </a:xfrm>
-          <a:prstGeom prst="rect">
-            <a:avLst/>
-          </a:prstGeom>
-        </p:spPr>
-      </p:pic>
-      <p:pic>
-        <p:nvPicPr>
-          <p:cNvPr id="9" name="Picture 8">
-            <a:extLst>
-              <a:ext uri="{FF2B5EF4-FFF2-40B4-BE49-F238E27FC236}">
-                <a16:creationId xmlns:a16="http://schemas.microsoft.com/office/drawing/2014/main" id="{55EA88D5-76AE-13E5-CE3C-E5A30974C541}"/>
-              </a:ext>
-            </a:extLst>
-          </p:cNvPr>
-          <p:cNvPicPr>
-            <a:picLocks noChangeAspect="1"/>
-          </p:cNvPicPr>
-          <p:nvPr/>
-        </p:nvPicPr>
-        <p:blipFill>
-          <a:blip r:embed="rId3">
-            <a:extLst>
-              <a:ext uri="{28A0092B-C50C-407E-A947-70E740481C1C}">
-                <a14:useLocalDpi xmlns:a14="http://schemas.microsoft.com/office/drawing/2010/main" val="0"/>
-              </a:ext>
-            </a:extLst>
-          </a:blip>
-          <a:stretch>
-            <a:fillRect/>
-          </a:stretch>
-        </p:blipFill>
-        <p:spPr>
-          <a:xfrm>
-            <a:off x="4754252" y="4571877"/>
-            <a:ext cx="3657723" cy="3657723"/>
-          </a:xfrm>
-          <a:prstGeom prst="rect">
-            <a:avLst/>
-          </a:prstGeom>
-        </p:spPr>
-      </p:pic>
-      <p:sp>
-        <p:nvSpPr>
-          <p:cNvPr id="4" name="TextBox 3">
-            <a:extLst>
-              <a:ext uri="{FF2B5EF4-FFF2-40B4-BE49-F238E27FC236}">
-                <a16:creationId xmlns:a16="http://schemas.microsoft.com/office/drawing/2014/main" id="{CEC91453-BC44-574D-4CA5-988BC9F05408}"/>
-              </a:ext>
-            </a:extLst>
-          </p:cNvPr>
-          <p:cNvSpPr txBox="1"/>
-          <p:nvPr/>
-        </p:nvSpPr>
-        <p:spPr>
-          <a:xfrm>
-            <a:off x="8598587" y="5447449"/>
-            <a:ext cx="5826540" cy="1569660"/>
-          </a:xfrm>
-          <a:prstGeom prst="rect">
-            <a:avLst/>
-          </a:prstGeom>
-          <a:solidFill>
-            <a:srgbClr val="FFC000"/>
-          </a:solidFill>
-          <a:ln w="12700">
-            <a:solidFill>
-              <a:schemeClr val="tx1"/>
-            </a:solidFill>
-          </a:ln>
-        </p:spPr>
-        <p:txBody>
-          <a:bodyPr wrap="square" rtlCol="0">
-            <a:spAutoFit/>
-          </a:bodyPr>
-          <a:lstStyle/>
-          <a:p>
-            <a:pPr algn="just"/>
-            <a:r>
-              <a:rPr lang="en-US" sz="3200" dirty="0"/>
-              <a:t>Mean &amp; Variance fail to describe the shape of the data distribution</a:t>
-            </a:r>
-          </a:p>
-        </p:txBody>
-      </p:sp>
-    </p:spTree>
-    <p:extLst>
-      <p:ext uri="{BB962C8B-B14F-4D97-AF65-F5344CB8AC3E}">
-        <p14:creationId xmlns:p14="http://schemas.microsoft.com/office/powerpoint/2010/main" val="2369449946"/>
-      </p:ext>
-    </p:extLst>
-  </p:cSld>
-  <p:clrMapOvr>
-    <a:masterClrMapping/>
-  </p:clrMapOvr>
-  <p:timing>
-    <p:tnLst>
-      <p:par>
-        <p:cTn id="1" dur="indefinite" restart="never" nodeType="tmRoot">
-          <p:childTnLst>
-            <p:seq concurrent="1" nextAc="seek">
-              <p:cTn id="2" dur="indefinite" nodeType="mainSeq">
-                <p:childTnLst>
-                  <p:par>
-                    <p:cTn id="3" fill="hold">
-                      <p:stCondLst>
-                        <p:cond delay="indefinite"/>
-                      </p:stCondLst>
-                      <p:childTnLst>
-                        <p:par>
-                          <p:cTn id="4" fill="hold">
-                            <p:stCondLst>
-                              <p:cond delay="0"/>
-                            </p:stCondLst>
-                            <p:childTnLst>
-                              <p:par>
-                                <p:cTn id="5" presetID="1" presetClass="entr" presetSubtype="0" fill="hold" nodeType="clickEffect">
-                                  <p:stCondLst>
-                                    <p:cond delay="0"/>
-                                  </p:stCondLst>
-                                  <p:childTnLst>
-                                    <p:set>
-                                      <p:cBhvr>
-                                        <p:cTn id="6" dur="1" fill="hold">
-                                          <p:stCondLst>
-                                            <p:cond delay="0"/>
-                                          </p:stCondLst>
-                                        </p:cTn>
-                                        <p:tgtEl>
-                                          <p:spTgt spid="3">
-                                            <p:txEl>
-                                              <p:pRg st="0" end="0"/>
-                                            </p:txEl>
-                                          </p:spTgt>
-                                        </p:tgtEl>
-                                        <p:attrNameLst>
-                                          <p:attrName>style.visibility</p:attrName>
-                                        </p:attrNameLst>
-                                      </p:cBhvr>
-                                      <p:to>
-                                        <p:strVal val="visible"/>
-                                      </p:to>
-                                    </p:set>
-                                  </p:childTnLst>
-                                </p:cTn>
-                              </p:par>
-                            </p:childTnLst>
-                          </p:cTn>
-                        </p:par>
-                      </p:childTnLst>
-                    </p:cTn>
-                  </p:par>
-                  <p:par>
-                    <p:cTn id="7" fill="hold">
-                      <p:stCondLst>
-                        <p:cond delay="indefinite"/>
-                      </p:stCondLst>
-                      <p:childTnLst>
-                        <p:par>
-                          <p:cTn id="8" fill="hold">
-                            <p:stCondLst>
-                              <p:cond delay="0"/>
-                            </p:stCondLst>
-                            <p:childTnLst>
-                              <p:par>
-                                <p:cTn id="9" presetID="1" presetClass="entr" presetSubtype="0" fill="hold" nodeType="clickEffect">
-                                  <p:stCondLst>
-                                    <p:cond delay="0"/>
-                                  </p:stCondLst>
-                                  <p:childTnLst>
-                                    <p:set>
-                                      <p:cBhvr>
-                                        <p:cTn id="10" dur="1" fill="hold">
-                                          <p:stCondLst>
-                                            <p:cond delay="0"/>
-                                          </p:stCondLst>
-                                        </p:cTn>
-                                        <p:tgtEl>
-                                          <p:spTgt spid="5"/>
-                                        </p:tgtEl>
-                                        <p:attrNameLst>
-                                          <p:attrName>style.visibility</p:attrName>
-                                        </p:attrNameLst>
-                                      </p:cBhvr>
-                                      <p:to>
-                                        <p:strVal val="visible"/>
-                                      </p:to>
-                                    </p:set>
-                                  </p:childTnLst>
-                                </p:cTn>
-                              </p:par>
-                            </p:childTnLst>
-                          </p:cTn>
-                        </p:par>
-                      </p:childTnLst>
-                    </p:cTn>
-                  </p:par>
-                  <p:par>
-                    <p:cTn id="11" fill="hold">
-                      <p:stCondLst>
-                        <p:cond delay="indefinite"/>
-                      </p:stCondLst>
-                      <p:childTnLst>
-                        <p:par>
-                          <p:cTn id="12" fill="hold">
-                            <p:stCondLst>
-                              <p:cond delay="0"/>
-                            </p:stCondLst>
-                            <p:childTnLst>
-                              <p:par>
-                                <p:cTn id="13" presetID="1" presetClass="entr" presetSubtype="0" fill="hold" nodeType="clickEffect">
-                                  <p:stCondLst>
-                                    <p:cond delay="0"/>
-                                  </p:stCondLst>
-                                  <p:childTnLst>
-                                    <p:set>
-                                      <p:cBhvr>
-                                        <p:cTn id="14" dur="1" fill="hold">
-                                          <p:stCondLst>
-                                            <p:cond delay="0"/>
-                                          </p:stCondLst>
-                                        </p:cTn>
-                                        <p:tgtEl>
-                                          <p:spTgt spid="9"/>
-                                        </p:tgtEl>
-                                        <p:attrNameLst>
-                                          <p:attrName>style.visibility</p:attrName>
-                                        </p:attrNameLst>
-                                      </p:cBhvr>
-                                      <p:to>
-                                        <p:strVal val="visible"/>
-                                      </p:to>
-                                    </p:set>
-                                  </p:childTnLst>
-                                </p:cTn>
-                              </p:par>
-                            </p:childTnLst>
-                          </p:cTn>
-                        </p:par>
-                      </p:childTnLst>
-                    </p:cTn>
-                  </p:par>
-                  <p:par>
-                    <p:cTn id="15" fill="hold">
-                      <p:stCondLst>
-                        <p:cond delay="indefinite"/>
-                      </p:stCondLst>
-                      <p:childTnLst>
-                        <p:par>
-                          <p:cTn id="16" fill="hold">
-                            <p:stCondLst>
-                              <p:cond delay="0"/>
-                            </p:stCondLst>
-                            <p:childTnLst>
-                              <p:par>
-                                <p:cTn id="17" presetID="1" presetClass="entr" presetSubtype="0" fill="hold" nodeType="clickEffect">
-                                  <p:stCondLst>
-                                    <p:cond delay="0"/>
-                                  </p:stCondLst>
-                                  <p:childTnLst>
-                                    <p:set>
-                                      <p:cBhvr>
-                                        <p:cTn id="18" dur="1" fill="hold">
-                                          <p:stCondLst>
-                                            <p:cond delay="0"/>
-                                          </p:stCondLst>
-                                        </p:cTn>
-                                        <p:tgtEl>
-                                          <p:spTgt spid="3">
-                                            <p:txEl>
-                                              <p:pRg st="2" end="2"/>
-                                            </p:txEl>
-                                          </p:spTgt>
-                                        </p:tgtEl>
-                                        <p:attrNameLst>
-                                          <p:attrName>style.visibility</p:attrName>
-                                        </p:attrNameLst>
-                                      </p:cBhvr>
-                                      <p:to>
-                                        <p:strVal val="visible"/>
-                                      </p:to>
-                                    </p:set>
-                                  </p:childTnLst>
-                                </p:cTn>
-                              </p:par>
-                            </p:childTnLst>
-                          </p:cTn>
-                        </p:par>
-                      </p:childTnLst>
-                    </p:cTn>
-                  </p:par>
-                  <p:par>
-                    <p:cTn id="19" fill="hold">
-                      <p:stCondLst>
-                        <p:cond delay="indefinite"/>
-                      </p:stCondLst>
-                      <p:childTnLst>
-                        <p:par>
-                          <p:cTn id="20" fill="hold">
-                            <p:stCondLst>
-                              <p:cond delay="0"/>
-                            </p:stCondLst>
-                            <p:childTnLst>
-                              <p:par>
-                                <p:cTn id="21" presetID="1" presetClass="entr" presetSubtype="0" fill="hold" grpId="0" nodeType="clickEffect">
-                                  <p:stCondLst>
-                                    <p:cond delay="0"/>
-                                  </p:stCondLst>
-                                  <p:childTnLst>
-                                    <p:set>
-                                      <p:cBhvr>
-                                        <p:cTn id="22" dur="1" fill="hold">
-                                          <p:stCondLst>
-                                            <p:cond delay="0"/>
-                                          </p:stCondLst>
-                                        </p:cTn>
-                                        <p:tgtEl>
-                                          <p:spTgt spid="4"/>
-                                        </p:tgtEl>
-                                        <p:attrNameLst>
-                                          <p:attrName>style.visibility</p:attrName>
-                                        </p:attrNameLst>
-                                      </p:cBhvr>
-                                      <p:to>
-                                        <p:strVal val="visible"/>
-                                      </p:to>
-                                    </p:set>
-                                  </p:childTnLst>
-                                </p:cTn>
-                              </p:par>
-                            </p:childTnLst>
-                          </p:cTn>
-                        </p:par>
-                      </p:childTnLst>
-                    </p:cTn>
-                  </p:par>
-                </p:childTnLst>
-              </p:cTn>
-              <p:prevCondLst>
-                <p:cond evt="onPrev" delay="0">
-                  <p:tgtEl>
-                    <p:sldTgt/>
-                  </p:tgtEl>
-                </p:cond>
-              </p:prevCondLst>
-              <p:nextCondLst>
-                <p:cond evt="onNext" delay="0">
-                  <p:tgtEl>
-                    <p:sldTgt/>
-                  </p:tgtEl>
-                </p:cond>
-              </p:nextCondLst>
-            </p:seq>
-          </p:childTnLst>
-        </p:cTn>
-      </p:par>
-    </p:tnLst>
-    <p:bldLst>
-      <p:bldP spid="4" grpId="0" animBg="1"/>
-    </p:bldLst>
-  </p:timing>
-</p:sld>
-</file>
-
-<file path=ppt/slides/slide20.xml><?xml version="1.0" encoding="utf-8"?>
+<file path=ppt/slides/slide19.xml><?xml version="1.0" encoding="utf-8"?>
 <p:sld xmlns:a="http://schemas.openxmlformats.org/drawingml/2006/main" xmlns:r="http://schemas.openxmlformats.org/officeDocument/2006/relationships" xmlns:p="http://schemas.openxmlformats.org/presentationml/2006/main">
   <p:cSld>
     <p:spTree>
@@ -32455,7 +31223,517 @@
 </p:sld>
 </file>
 
-<file path=ppt/slides/slide21.xml><?xml version="1.0" encoding="utf-8"?>
+<file path=ppt/slides/slide2.xml><?xml version="1.0" encoding="utf-8"?>
+<p:sld xmlns:a="http://schemas.openxmlformats.org/drawingml/2006/main" xmlns:r="http://schemas.openxmlformats.org/officeDocument/2006/relationships" xmlns:p="http://schemas.openxmlformats.org/presentationml/2006/main">
+  <p:cSld>
+    <p:spTree>
+      <p:nvGrpSpPr>
+        <p:cNvPr id="1" name=""/>
+        <p:cNvGrpSpPr/>
+        <p:nvPr/>
+      </p:nvGrpSpPr>
+      <p:grpSpPr>
+        <a:xfrm>
+          <a:off x="0" y="0"/>
+          <a:ext cx="0" cy="0"/>
+          <a:chOff x="0" y="0"/>
+          <a:chExt cx="0" cy="0"/>
+        </a:xfrm>
+      </p:grpSpPr>
+      <p:sp>
+        <p:nvSpPr>
+          <p:cNvPr id="2" name="Title 1">
+            <a:extLst>
+              <a:ext uri="{FF2B5EF4-FFF2-40B4-BE49-F238E27FC236}">
+                <a16:creationId xmlns:a16="http://schemas.microsoft.com/office/drawing/2014/main" id="{AE3CE8B8-8455-1913-31F5-C8A759952E32}"/>
+              </a:ext>
+            </a:extLst>
+          </p:cNvPr>
+          <p:cNvSpPr>
+            <a:spLocks noGrp="1"/>
+          </p:cNvSpPr>
+          <p:nvPr>
+            <p:ph type="title"/>
+          </p:nvPr>
+        </p:nvSpPr>
+        <p:spPr>
+          <a:xfrm>
+            <a:off x="1283818" y="97470"/>
+            <a:ext cx="12070080" cy="1931213"/>
+          </a:xfrm>
+        </p:spPr>
+        <p:txBody>
+          <a:bodyPr/>
+          <a:lstStyle/>
+          <a:p>
+            <a:r>
+              <a:rPr lang="en-US" dirty="0"/>
+              <a:t>Shape of the distribution</a:t>
+            </a:r>
+          </a:p>
+        </p:txBody>
+      </p:sp>
+      <p:sp>
+        <p:nvSpPr>
+          <p:cNvPr id="3" name="Content Placeholder 2">
+            <a:extLst>
+              <a:ext uri="{FF2B5EF4-FFF2-40B4-BE49-F238E27FC236}">
+                <a16:creationId xmlns:a16="http://schemas.microsoft.com/office/drawing/2014/main" id="{EFDA7E4E-919B-F425-BAF9-7D2CFB21E498}"/>
+              </a:ext>
+            </a:extLst>
+          </p:cNvPr>
+          <p:cNvSpPr>
+            <a:spLocks noGrp="1"/>
+          </p:cNvSpPr>
+          <p:nvPr>
+            <p:ph sz="quarter" idx="13"/>
+          </p:nvPr>
+        </p:nvSpPr>
+        <p:spPr>
+          <a:xfrm>
+            <a:off x="1096529" y="2123351"/>
+            <a:ext cx="12436591" cy="4108928"/>
+          </a:xfrm>
+        </p:spPr>
+        <p:txBody>
+          <a:bodyPr>
+            <a:normAutofit lnSpcReduction="10000"/>
+          </a:bodyPr>
+          <a:lstStyle/>
+          <a:p>
+            <a:pPr algn="just"/>
+            <a:r>
+              <a:rPr lang="en-US" sz="3200" dirty="0"/>
+              <a:t>In previous chapter, we learned about “Location” and “Dispersion” which are two important quantitative concepts.</a:t>
+            </a:r>
+          </a:p>
+          <a:p>
+            <a:pPr algn="just"/>
+            <a:endParaRPr lang="en-US" sz="3200" dirty="0"/>
+          </a:p>
+          <a:p>
+            <a:pPr algn="just"/>
+            <a:r>
+              <a:rPr lang="en-US" sz="3200" dirty="0"/>
+              <a:t>Two data sets may have identical means and identical variance, but their graphical shapes may be different</a:t>
+            </a:r>
+          </a:p>
+          <a:p>
+            <a:pPr algn="just"/>
+            <a:endParaRPr lang="en-US" sz="3200" dirty="0"/>
+          </a:p>
+          <a:p>
+            <a:pPr algn="just"/>
+            <a:r>
+              <a:rPr lang="en-US" sz="3200" dirty="0">
+                <a:solidFill>
+                  <a:schemeClr val="bg1"/>
+                </a:solidFill>
+              </a:rPr>
+              <a:t>Mean &amp; Variance fail to describe the shape of the data distribution</a:t>
+            </a:r>
+          </a:p>
+          <a:p>
+            <a:pPr algn="just"/>
+            <a:endParaRPr lang="en-US" sz="3200" dirty="0"/>
+          </a:p>
+        </p:txBody>
+      </p:sp>
+      <p:pic>
+        <p:nvPicPr>
+          <p:cNvPr id="5" name="Picture 4">
+            <a:extLst>
+              <a:ext uri="{FF2B5EF4-FFF2-40B4-BE49-F238E27FC236}">
+                <a16:creationId xmlns:a16="http://schemas.microsoft.com/office/drawing/2014/main" id="{3936E254-51B4-8989-C4C4-0F4132F617A0}"/>
+              </a:ext>
+            </a:extLst>
+          </p:cNvPr>
+          <p:cNvPicPr>
+            <a:picLocks noChangeAspect="1"/>
+          </p:cNvPicPr>
+          <p:nvPr/>
+        </p:nvPicPr>
+        <p:blipFill>
+          <a:blip r:embed="rId2">
+            <a:extLst>
+              <a:ext uri="{28A0092B-C50C-407E-A947-70E740481C1C}">
+                <a14:useLocalDpi xmlns:a14="http://schemas.microsoft.com/office/drawing/2010/main" val="0"/>
+              </a:ext>
+            </a:extLst>
+          </a:blip>
+          <a:stretch>
+            <a:fillRect/>
+          </a:stretch>
+        </p:blipFill>
+        <p:spPr>
+          <a:xfrm>
+            <a:off x="1096529" y="4571876"/>
+            <a:ext cx="3657723" cy="3657723"/>
+          </a:xfrm>
+          <a:prstGeom prst="rect">
+            <a:avLst/>
+          </a:prstGeom>
+        </p:spPr>
+      </p:pic>
+      <p:pic>
+        <p:nvPicPr>
+          <p:cNvPr id="9" name="Picture 8">
+            <a:extLst>
+              <a:ext uri="{FF2B5EF4-FFF2-40B4-BE49-F238E27FC236}">
+                <a16:creationId xmlns:a16="http://schemas.microsoft.com/office/drawing/2014/main" id="{55EA88D5-76AE-13E5-CE3C-E5A30974C541}"/>
+              </a:ext>
+            </a:extLst>
+          </p:cNvPr>
+          <p:cNvPicPr>
+            <a:picLocks noChangeAspect="1"/>
+          </p:cNvPicPr>
+          <p:nvPr/>
+        </p:nvPicPr>
+        <p:blipFill>
+          <a:blip r:embed="rId3">
+            <a:extLst>
+              <a:ext uri="{28A0092B-C50C-407E-A947-70E740481C1C}">
+                <a14:useLocalDpi xmlns:a14="http://schemas.microsoft.com/office/drawing/2010/main" val="0"/>
+              </a:ext>
+            </a:extLst>
+          </a:blip>
+          <a:stretch>
+            <a:fillRect/>
+          </a:stretch>
+        </p:blipFill>
+        <p:spPr>
+          <a:xfrm>
+            <a:off x="4754252" y="4571877"/>
+            <a:ext cx="3657723" cy="3657723"/>
+          </a:xfrm>
+          <a:prstGeom prst="rect">
+            <a:avLst/>
+          </a:prstGeom>
+        </p:spPr>
+      </p:pic>
+      <p:sp>
+        <p:nvSpPr>
+          <p:cNvPr id="4" name="TextBox 3">
+            <a:extLst>
+              <a:ext uri="{FF2B5EF4-FFF2-40B4-BE49-F238E27FC236}">
+                <a16:creationId xmlns:a16="http://schemas.microsoft.com/office/drawing/2014/main" id="{CEC91453-BC44-574D-4CA5-988BC9F05408}"/>
+              </a:ext>
+            </a:extLst>
+          </p:cNvPr>
+          <p:cNvSpPr txBox="1"/>
+          <p:nvPr/>
+        </p:nvSpPr>
+        <p:spPr>
+          <a:xfrm>
+            <a:off x="8598587" y="5447449"/>
+            <a:ext cx="5826540" cy="1569660"/>
+          </a:xfrm>
+          <a:prstGeom prst="rect">
+            <a:avLst/>
+          </a:prstGeom>
+          <a:solidFill>
+            <a:srgbClr val="FFC000"/>
+          </a:solidFill>
+          <a:ln w="12700">
+            <a:solidFill>
+              <a:schemeClr val="tx1"/>
+            </a:solidFill>
+          </a:ln>
+        </p:spPr>
+        <p:txBody>
+          <a:bodyPr wrap="square" rtlCol="0">
+            <a:spAutoFit/>
+          </a:bodyPr>
+          <a:lstStyle/>
+          <a:p>
+            <a:pPr algn="just"/>
+            <a:r>
+              <a:rPr lang="en-US" sz="3200" dirty="0"/>
+              <a:t>Mean &amp; Variance fail to describe the shape of the data distribution</a:t>
+            </a:r>
+          </a:p>
+        </p:txBody>
+      </p:sp>
+    </p:spTree>
+    <p:extLst>
+      <p:ext uri="{BB962C8B-B14F-4D97-AF65-F5344CB8AC3E}">
+        <p14:creationId xmlns:p14="http://schemas.microsoft.com/office/powerpoint/2010/main" val="2369449946"/>
+      </p:ext>
+    </p:extLst>
+  </p:cSld>
+  <p:clrMapOvr>
+    <a:masterClrMapping/>
+  </p:clrMapOvr>
+  <p:timing>
+    <p:tnLst>
+      <p:par>
+        <p:cTn id="1" dur="indefinite" restart="never" nodeType="tmRoot">
+          <p:childTnLst>
+            <p:seq concurrent="1" nextAc="seek">
+              <p:cTn id="2" dur="indefinite" nodeType="mainSeq">
+                <p:childTnLst>
+                  <p:par>
+                    <p:cTn id="3" fill="hold">
+                      <p:stCondLst>
+                        <p:cond delay="indefinite"/>
+                      </p:stCondLst>
+                      <p:childTnLst>
+                        <p:par>
+                          <p:cTn id="4" fill="hold">
+                            <p:stCondLst>
+                              <p:cond delay="0"/>
+                            </p:stCondLst>
+                            <p:childTnLst>
+                              <p:par>
+                                <p:cTn id="5" presetID="1" presetClass="entr" presetSubtype="0" fill="hold" nodeType="clickEffect">
+                                  <p:stCondLst>
+                                    <p:cond delay="0"/>
+                                  </p:stCondLst>
+                                  <p:childTnLst>
+                                    <p:set>
+                                      <p:cBhvr>
+                                        <p:cTn id="6" dur="1" fill="hold">
+                                          <p:stCondLst>
+                                            <p:cond delay="0"/>
+                                          </p:stCondLst>
+                                        </p:cTn>
+                                        <p:tgtEl>
+                                          <p:spTgt spid="3">
+                                            <p:txEl>
+                                              <p:pRg st="0" end="0"/>
+                                            </p:txEl>
+                                          </p:spTgt>
+                                        </p:tgtEl>
+                                        <p:attrNameLst>
+                                          <p:attrName>style.visibility</p:attrName>
+                                        </p:attrNameLst>
+                                      </p:cBhvr>
+                                      <p:to>
+                                        <p:strVal val="visible"/>
+                                      </p:to>
+                                    </p:set>
+                                  </p:childTnLst>
+                                </p:cTn>
+                              </p:par>
+                            </p:childTnLst>
+                          </p:cTn>
+                        </p:par>
+                      </p:childTnLst>
+                    </p:cTn>
+                  </p:par>
+                  <p:par>
+                    <p:cTn id="7" fill="hold">
+                      <p:stCondLst>
+                        <p:cond delay="indefinite"/>
+                      </p:stCondLst>
+                      <p:childTnLst>
+                        <p:par>
+                          <p:cTn id="8" fill="hold">
+                            <p:stCondLst>
+                              <p:cond delay="0"/>
+                            </p:stCondLst>
+                            <p:childTnLst>
+                              <p:par>
+                                <p:cTn id="9" presetID="1" presetClass="entr" presetSubtype="0" fill="hold" nodeType="clickEffect">
+                                  <p:stCondLst>
+                                    <p:cond delay="0"/>
+                                  </p:stCondLst>
+                                  <p:childTnLst>
+                                    <p:set>
+                                      <p:cBhvr>
+                                        <p:cTn id="10" dur="1" fill="hold">
+                                          <p:stCondLst>
+                                            <p:cond delay="0"/>
+                                          </p:stCondLst>
+                                        </p:cTn>
+                                        <p:tgtEl>
+                                          <p:spTgt spid="5"/>
+                                        </p:tgtEl>
+                                        <p:attrNameLst>
+                                          <p:attrName>style.visibility</p:attrName>
+                                        </p:attrNameLst>
+                                      </p:cBhvr>
+                                      <p:to>
+                                        <p:strVal val="visible"/>
+                                      </p:to>
+                                    </p:set>
+                                  </p:childTnLst>
+                                </p:cTn>
+                              </p:par>
+                            </p:childTnLst>
+                          </p:cTn>
+                        </p:par>
+                      </p:childTnLst>
+                    </p:cTn>
+                  </p:par>
+                  <p:par>
+                    <p:cTn id="11" fill="hold">
+                      <p:stCondLst>
+                        <p:cond delay="indefinite"/>
+                      </p:stCondLst>
+                      <p:childTnLst>
+                        <p:par>
+                          <p:cTn id="12" fill="hold">
+                            <p:stCondLst>
+                              <p:cond delay="0"/>
+                            </p:stCondLst>
+                            <p:childTnLst>
+                              <p:par>
+                                <p:cTn id="13" presetID="1" presetClass="entr" presetSubtype="0" fill="hold" nodeType="clickEffect">
+                                  <p:stCondLst>
+                                    <p:cond delay="0"/>
+                                  </p:stCondLst>
+                                  <p:childTnLst>
+                                    <p:set>
+                                      <p:cBhvr>
+                                        <p:cTn id="14" dur="1" fill="hold">
+                                          <p:stCondLst>
+                                            <p:cond delay="0"/>
+                                          </p:stCondLst>
+                                        </p:cTn>
+                                        <p:tgtEl>
+                                          <p:spTgt spid="9"/>
+                                        </p:tgtEl>
+                                        <p:attrNameLst>
+                                          <p:attrName>style.visibility</p:attrName>
+                                        </p:attrNameLst>
+                                      </p:cBhvr>
+                                      <p:to>
+                                        <p:strVal val="visible"/>
+                                      </p:to>
+                                    </p:set>
+                                  </p:childTnLst>
+                                </p:cTn>
+                              </p:par>
+                            </p:childTnLst>
+                          </p:cTn>
+                        </p:par>
+                      </p:childTnLst>
+                    </p:cTn>
+                  </p:par>
+                  <p:par>
+                    <p:cTn id="15" fill="hold">
+                      <p:stCondLst>
+                        <p:cond delay="indefinite"/>
+                      </p:stCondLst>
+                      <p:childTnLst>
+                        <p:par>
+                          <p:cTn id="16" fill="hold">
+                            <p:stCondLst>
+                              <p:cond delay="0"/>
+                            </p:stCondLst>
+                            <p:childTnLst>
+                              <p:par>
+                                <p:cTn id="17" presetID="1" presetClass="entr" presetSubtype="0" fill="hold" nodeType="clickEffect">
+                                  <p:stCondLst>
+                                    <p:cond delay="0"/>
+                                  </p:stCondLst>
+                                  <p:childTnLst>
+                                    <p:set>
+                                      <p:cBhvr>
+                                        <p:cTn id="18" dur="1" fill="hold">
+                                          <p:stCondLst>
+                                            <p:cond delay="0"/>
+                                          </p:stCondLst>
+                                        </p:cTn>
+                                        <p:tgtEl>
+                                          <p:spTgt spid="3">
+                                            <p:txEl>
+                                              <p:pRg st="2" end="2"/>
+                                            </p:txEl>
+                                          </p:spTgt>
+                                        </p:tgtEl>
+                                        <p:attrNameLst>
+                                          <p:attrName>style.visibility</p:attrName>
+                                        </p:attrNameLst>
+                                      </p:cBhvr>
+                                      <p:to>
+                                        <p:strVal val="visible"/>
+                                      </p:to>
+                                    </p:set>
+                                  </p:childTnLst>
+                                </p:cTn>
+                              </p:par>
+                            </p:childTnLst>
+                          </p:cTn>
+                        </p:par>
+                      </p:childTnLst>
+                    </p:cTn>
+                  </p:par>
+                  <p:par>
+                    <p:cTn id="19" fill="hold">
+                      <p:stCondLst>
+                        <p:cond delay="indefinite"/>
+                      </p:stCondLst>
+                      <p:childTnLst>
+                        <p:par>
+                          <p:cTn id="20" fill="hold">
+                            <p:stCondLst>
+                              <p:cond delay="0"/>
+                            </p:stCondLst>
+                            <p:childTnLst>
+                              <p:par>
+                                <p:cTn id="21" presetID="1" presetClass="entr" presetSubtype="0" fill="hold" grpId="0" nodeType="clickEffect">
+                                  <p:stCondLst>
+                                    <p:cond delay="0"/>
+                                  </p:stCondLst>
+                                  <p:childTnLst>
+                                    <p:set>
+                                      <p:cBhvr>
+                                        <p:cTn id="22" dur="1" fill="hold">
+                                          <p:stCondLst>
+                                            <p:cond delay="0"/>
+                                          </p:stCondLst>
+                                        </p:cTn>
+                                        <p:tgtEl>
+                                          <p:spTgt spid="4"/>
+                                        </p:tgtEl>
+                                        <p:attrNameLst>
+                                          <p:attrName>style.visibility</p:attrName>
+                                        </p:attrNameLst>
+                                      </p:cBhvr>
+                                      <p:to>
+                                        <p:strVal val="visible"/>
+                                      </p:to>
+                                    </p:set>
+                                  </p:childTnLst>
+                                </p:cTn>
+                              </p:par>
+                            </p:childTnLst>
+                          </p:cTn>
+                        </p:par>
+                      </p:childTnLst>
+                    </p:cTn>
+                  </p:par>
+                </p:childTnLst>
+              </p:cTn>
+              <p:prevCondLst>
+                <p:cond evt="onPrev" delay="0">
+                  <p:tgtEl>
+                    <p:sldTgt/>
+                  </p:tgtEl>
+                </p:cond>
+              </p:prevCondLst>
+              <p:nextCondLst>
+                <p:cond evt="onNext" delay="0">
+                  <p:tgtEl>
+                    <p:sldTgt/>
+                  </p:tgtEl>
+                </p:cond>
+              </p:nextCondLst>
+            </p:seq>
+          </p:childTnLst>
+        </p:cTn>
+      </p:par>
+    </p:tnLst>
+    <p:bldLst>
+      <p:bldP spid="4" grpId="0" animBg="1"/>
+    </p:bldLst>
+  </p:timing>
+</p:sld>
+</file>
+
+<file path=ppt/slides/slide20.xml><?xml version="1.0" encoding="utf-8"?>
 <p:sld xmlns:a="http://schemas.openxmlformats.org/drawingml/2006/main" xmlns:r="http://schemas.openxmlformats.org/officeDocument/2006/relationships" xmlns:p="http://schemas.openxmlformats.org/presentationml/2006/main">
   <p:cSld>
     <p:spTree>
@@ -32970,1498 +32248,6 @@
           <a:p>
             <a:r>
               <a:rPr lang="en-US" dirty="0"/>
-              <a:t>Moments</a:t>
-            </a:r>
-          </a:p>
-        </p:txBody>
-      </p:sp>
-      <mc:AlternateContent xmlns:mc="http://schemas.openxmlformats.org/markup-compatibility/2006" xmlns:a14="http://schemas.microsoft.com/office/drawing/2010/main">
-        <mc:Choice Requires="a14">
-          <p:sp>
-            <p:nvSpPr>
-              <p:cNvPr id="3" name="Content Placeholder 2">
-                <a:extLst>
-                  <a:ext uri="{FF2B5EF4-FFF2-40B4-BE49-F238E27FC236}">
-                    <a16:creationId xmlns:a16="http://schemas.microsoft.com/office/drawing/2014/main" id="{EFDA7E4E-919B-F425-BAF9-7D2CFB21E498}"/>
-                  </a:ext>
-                </a:extLst>
-              </p:cNvPr>
-              <p:cNvSpPr>
-                <a:spLocks noGrp="1"/>
-              </p:cNvSpPr>
-              <p:nvPr>
-                <p:ph sz="quarter" idx="13"/>
-              </p:nvPr>
-            </p:nvSpPr>
-            <p:spPr>
-              <a:xfrm>
-                <a:off x="1096529" y="2123351"/>
-                <a:ext cx="12436591" cy="4108928"/>
-              </a:xfrm>
-            </p:spPr>
-            <p:txBody>
-              <a:bodyPr>
-                <a:normAutofit/>
-              </a:bodyPr>
-              <a:lstStyle/>
-              <a:p>
-                <a14:m>
-                  <m:oMath xmlns:m="http://schemas.openxmlformats.org/officeDocument/2006/math">
-                    <m:sSup>
-                      <m:sSupPr>
-                        <m:ctrlPr>
-                          <a:rPr lang="en-US" sz="3200" i="1">
-                            <a:latin typeface="Cambria Math" panose="02040503050406030204" pitchFamily="18" charset="0"/>
-                          </a:rPr>
-                        </m:ctrlPr>
-                      </m:sSupPr>
-                      <m:e>
-                        <m:r>
-                          <a:rPr lang="en-US" sz="3200" i="1">
-                            <a:latin typeface="Cambria Math" panose="02040503050406030204" pitchFamily="18" charset="0"/>
-                          </a:rPr>
-                          <m:t>𝑟</m:t>
-                        </m:r>
-                      </m:e>
-                      <m:sup>
-                        <m:r>
-                          <a:rPr lang="en-US" sz="3200" i="1">
-                            <a:latin typeface="Cambria Math" panose="02040503050406030204" pitchFamily="18" charset="0"/>
-                          </a:rPr>
-                          <m:t>𝑡h</m:t>
-                        </m:r>
-                      </m:sup>
-                    </m:sSup>
-                  </m:oMath>
-                </a14:m>
-                <a:r>
-                  <a:rPr lang="en-US" sz="3200" dirty="0"/>
-                  <a:t> moments can be written as,</a:t>
-                </a:r>
-              </a:p>
-              <a:p>
-                <a:endParaRPr lang="en-US" sz="3200" dirty="0"/>
-              </a:p>
-              <a:p>
-                <a14:m>
-                  <m:oMath xmlns:m="http://schemas.openxmlformats.org/officeDocument/2006/math">
-                    <m:sSub>
-                      <m:sSubPr>
-                        <m:ctrlPr>
-                          <a:rPr lang="en-US" sz="3200" i="1">
-                            <a:latin typeface="Cambria Math" panose="02040503050406030204" pitchFamily="18" charset="0"/>
-                          </a:rPr>
-                        </m:ctrlPr>
-                      </m:sSubPr>
-                      <m:e>
-                        <m:r>
-                          <a:rPr lang="en-US" sz="3200" i="1">
-                            <a:latin typeface="Cambria Math" panose="02040503050406030204" pitchFamily="18" charset="0"/>
-                          </a:rPr>
-                          <m:t>𝜇</m:t>
-                        </m:r>
-                      </m:e>
-                      <m:sub>
-                        <m:r>
-                          <a:rPr lang="en-US" sz="3200" i="1">
-                            <a:latin typeface="Cambria Math" panose="02040503050406030204" pitchFamily="18" charset="0"/>
-                          </a:rPr>
-                          <m:t>𝑟</m:t>
-                        </m:r>
-                      </m:sub>
-                    </m:sSub>
-                    <m:r>
-                      <a:rPr lang="en-US" sz="3200" i="1">
-                        <a:latin typeface="Cambria Math" panose="02040503050406030204" pitchFamily="18" charset="0"/>
-                      </a:rPr>
-                      <m:t>=</m:t>
-                    </m:r>
-                    <m:f>
-                      <m:fPr>
-                        <m:ctrlPr>
-                          <a:rPr lang="en-US" sz="3200" i="1">
-                            <a:latin typeface="Cambria Math" panose="02040503050406030204" pitchFamily="18" charset="0"/>
-                          </a:rPr>
-                        </m:ctrlPr>
-                      </m:fPr>
-                      <m:num>
-                        <m:nary>
-                          <m:naryPr>
-                            <m:chr m:val="∑"/>
-                            <m:subHide m:val="on"/>
-                            <m:supHide m:val="on"/>
-                            <m:ctrlPr>
-                              <a:rPr lang="en-US" sz="3200" i="1">
-                                <a:latin typeface="Cambria Math" panose="02040503050406030204" pitchFamily="18" charset="0"/>
-                              </a:rPr>
-                            </m:ctrlPr>
-                          </m:naryPr>
-                          <m:sub/>
-                          <m:sup/>
-                          <m:e>
-                            <m:sSup>
-                              <m:sSupPr>
-                                <m:ctrlPr>
-                                  <a:rPr lang="en-US" sz="3200" i="1">
-                                    <a:latin typeface="Cambria Math" panose="02040503050406030204" pitchFamily="18" charset="0"/>
-                                  </a:rPr>
-                                </m:ctrlPr>
-                              </m:sSupPr>
-                              <m:e>
-                                <m:d>
-                                  <m:dPr>
-                                    <m:ctrlPr>
-                                      <a:rPr lang="en-US" sz="3200" i="1">
-                                        <a:latin typeface="Cambria Math" panose="02040503050406030204" pitchFamily="18" charset="0"/>
-                                      </a:rPr>
-                                    </m:ctrlPr>
-                                  </m:dPr>
-                                  <m:e>
-                                    <m:sSub>
-                                      <m:sSubPr>
-                                        <m:ctrlPr>
-                                          <a:rPr lang="en-US" sz="3200" i="1">
-                                            <a:latin typeface="Cambria Math" panose="02040503050406030204" pitchFamily="18" charset="0"/>
-                                          </a:rPr>
-                                        </m:ctrlPr>
-                                      </m:sSubPr>
-                                      <m:e>
-                                        <m:r>
-                                          <a:rPr lang="en-US" sz="3200" i="1">
-                                            <a:latin typeface="Cambria Math" panose="02040503050406030204" pitchFamily="18" charset="0"/>
-                                          </a:rPr>
-                                          <m:t>𝑋</m:t>
-                                        </m:r>
-                                      </m:e>
-                                      <m:sub>
-                                        <m:r>
-                                          <a:rPr lang="en-US" sz="3200" i="1">
-                                            <a:latin typeface="Cambria Math" panose="02040503050406030204" pitchFamily="18" charset="0"/>
-                                          </a:rPr>
-                                          <m:t>𝑖</m:t>
-                                        </m:r>
-                                      </m:sub>
-                                    </m:sSub>
-                                    <m:r>
-                                      <a:rPr lang="en-US" sz="3200" i="1">
-                                        <a:latin typeface="Cambria Math" panose="02040503050406030204" pitchFamily="18" charset="0"/>
-                                      </a:rPr>
-                                      <m:t>−</m:t>
-                                    </m:r>
-                                    <m:acc>
-                                      <m:accPr>
-                                        <m:chr m:val="̅"/>
-                                        <m:ctrlPr>
-                                          <a:rPr lang="en-US" sz="3200" i="1">
-                                            <a:latin typeface="Cambria Math" panose="02040503050406030204" pitchFamily="18" charset="0"/>
-                                          </a:rPr>
-                                        </m:ctrlPr>
-                                      </m:accPr>
-                                      <m:e>
-                                        <m:r>
-                                          <a:rPr lang="en-US" sz="3200" i="1">
-                                            <a:latin typeface="Cambria Math" panose="02040503050406030204" pitchFamily="18" charset="0"/>
-                                          </a:rPr>
-                                          <m:t>𝑋</m:t>
-                                        </m:r>
-                                      </m:e>
-                                    </m:acc>
-                                  </m:e>
-                                </m:d>
-                              </m:e>
-                              <m:sup>
-                                <m:r>
-                                  <a:rPr lang="en-US" sz="3200" i="1">
-                                    <a:latin typeface="Cambria Math" panose="02040503050406030204" pitchFamily="18" charset="0"/>
-                                  </a:rPr>
-                                  <m:t>𝑟</m:t>
-                                </m:r>
-                              </m:sup>
-                            </m:sSup>
-                          </m:e>
-                        </m:nary>
-                      </m:num>
-                      <m:den>
-                        <m:r>
-                          <a:rPr lang="en-US" sz="3200" i="1">
-                            <a:latin typeface="Cambria Math" panose="02040503050406030204" pitchFamily="18" charset="0"/>
-                          </a:rPr>
-                          <m:t>𝑁</m:t>
-                        </m:r>
-                      </m:den>
-                    </m:f>
-                    <m:r>
-                      <a:rPr lang="en-US" sz="3200" i="1">
-                        <a:latin typeface="Cambria Math" panose="02040503050406030204" pitchFamily="18" charset="0"/>
-                      </a:rPr>
-                      <m:t>  ;</m:t>
-                    </m:r>
-                    <m:r>
-                      <a:rPr lang="en-US" sz="3200" i="1">
-                        <a:latin typeface="Cambria Math" panose="02040503050406030204" pitchFamily="18" charset="0"/>
-                      </a:rPr>
-                      <m:t>𝑟</m:t>
-                    </m:r>
-                    <m:r>
-                      <a:rPr lang="en-US" sz="3200" i="1">
-                        <a:latin typeface="Cambria Math" panose="02040503050406030204" pitchFamily="18" charset="0"/>
-                      </a:rPr>
-                      <m:t>=1,2,3,4,…</m:t>
-                    </m:r>
-                  </m:oMath>
-                </a14:m>
-                <a:endParaRPr lang="en-US" sz="3200" dirty="0"/>
-              </a:p>
-              <a:p>
-                <a:pPr algn="just"/>
-                <a:endParaRPr lang="en-US" sz="4000" dirty="0"/>
-              </a:p>
-            </p:txBody>
-          </p:sp>
-        </mc:Choice>
-        <mc:Fallback xmlns="">
-          <p:sp>
-            <p:nvSpPr>
-              <p:cNvPr id="3" name="Content Placeholder 2">
-                <a:extLst>
-                  <a:ext uri="{FF2B5EF4-FFF2-40B4-BE49-F238E27FC236}">
-                    <a16:creationId xmlns:a16="http://schemas.microsoft.com/office/drawing/2014/main" id="{EFDA7E4E-919B-F425-BAF9-7D2CFB21E498}"/>
-                  </a:ext>
-                </a:extLst>
-              </p:cNvPr>
-              <p:cNvSpPr>
-                <a:spLocks noGrp="1" noRot="1" noChangeAspect="1" noMove="1" noResize="1" noEditPoints="1" noAdjustHandles="1" noChangeArrowheads="1" noChangeShapeType="1" noTextEdit="1"/>
-              </p:cNvSpPr>
-              <p:nvPr>
-                <p:ph sz="quarter" idx="13"/>
-              </p:nvPr>
-            </p:nvSpPr>
-            <p:spPr>
-              <a:xfrm>
-                <a:off x="1096529" y="2123351"/>
-                <a:ext cx="12436591" cy="4108928"/>
-              </a:xfrm>
-              <a:blipFill>
-                <a:blip r:embed="rId2"/>
-                <a:stretch>
-                  <a:fillRect t="-2819"/>
-                </a:stretch>
-              </a:blipFill>
-            </p:spPr>
-            <p:txBody>
-              <a:bodyPr/>
-              <a:lstStyle/>
-              <a:p>
-                <a:r>
-                  <a:rPr lang="en-US">
-                    <a:noFill/>
-                  </a:rPr>
-                  <a:t> </a:t>
-                </a:r>
-              </a:p>
-            </p:txBody>
-          </p:sp>
-        </mc:Fallback>
-      </mc:AlternateContent>
-      <mc:AlternateContent xmlns:mc="http://schemas.openxmlformats.org/markup-compatibility/2006" xmlns:a14="http://schemas.microsoft.com/office/drawing/2010/main">
-        <mc:Choice Requires="a14">
-          <p:sp>
-            <p:nvSpPr>
-              <p:cNvPr id="4" name="TextBox 3">
-                <a:extLst>
-                  <a:ext uri="{FF2B5EF4-FFF2-40B4-BE49-F238E27FC236}">
-                    <a16:creationId xmlns:a16="http://schemas.microsoft.com/office/drawing/2014/main" id="{D4328E28-A332-DF9D-3E7B-E977DEEF2A83}"/>
-                  </a:ext>
-                </a:extLst>
-              </p:cNvPr>
-              <p:cNvSpPr txBox="1"/>
-              <p:nvPr/>
-            </p:nvSpPr>
-            <p:spPr>
-              <a:xfrm>
-                <a:off x="7314824" y="3452897"/>
-                <a:ext cx="7222270" cy="3246483"/>
-              </a:xfrm>
-              <a:prstGeom prst="rect">
-                <a:avLst/>
-              </a:prstGeom>
-              <a:solidFill>
-                <a:srgbClr val="FFC000"/>
-              </a:solidFill>
-              <a:ln w="12700">
-                <a:solidFill>
-                  <a:schemeClr val="tx1"/>
-                </a:solidFill>
-              </a:ln>
-            </p:spPr>
-            <p:txBody>
-              <a:bodyPr wrap="square" rtlCol="0">
-                <a:spAutoFit/>
-              </a:bodyPr>
-              <a:lstStyle/>
-              <a:p>
-                <a:pPr marL="457200" indent="-457200">
-                  <a:buFont typeface="Arial" panose="020B0604020202020204" pitchFamily="34" charset="0"/>
-                  <a:buChar char="•"/>
-                </a:pPr>
-                <a14:m>
-                  <m:oMath xmlns:m="http://schemas.openxmlformats.org/officeDocument/2006/math">
-                    <m:r>
-                      <a:rPr lang="en-US" sz="2800" i="1" smtClean="0">
-                        <a:latin typeface="Cambria Math" panose="02040503050406030204" pitchFamily="18" charset="0"/>
-                      </a:rPr>
-                      <m:t>𝐼𝑓</m:t>
-                    </m:r>
-                    <m:r>
-                      <a:rPr lang="en-US" sz="2800" i="1" smtClean="0">
-                        <a:latin typeface="Cambria Math" panose="02040503050406030204" pitchFamily="18" charset="0"/>
-                      </a:rPr>
-                      <m:t> </m:t>
-                    </m:r>
-                    <m:r>
-                      <a:rPr lang="en-US" sz="2800" i="1" smtClean="0">
-                        <a:latin typeface="Cambria Math" panose="02040503050406030204" pitchFamily="18" charset="0"/>
-                      </a:rPr>
-                      <m:t>𝑟</m:t>
-                    </m:r>
-                    <m:r>
-                      <a:rPr lang="en-US" sz="2800" i="1" smtClean="0">
-                        <a:latin typeface="Cambria Math" panose="02040503050406030204" pitchFamily="18" charset="0"/>
-                      </a:rPr>
-                      <m:t>=1, </m:t>
-                    </m:r>
-                    <m:sSub>
-                      <m:sSubPr>
-                        <m:ctrlPr>
-                          <a:rPr lang="en-US" sz="2800" i="1">
-                            <a:latin typeface="Cambria Math" panose="02040503050406030204" pitchFamily="18" charset="0"/>
-                          </a:rPr>
-                        </m:ctrlPr>
-                      </m:sSubPr>
-                      <m:e>
-                        <m:r>
-                          <a:rPr lang="en-US" sz="2800" i="1">
-                            <a:latin typeface="Cambria Math" panose="02040503050406030204" pitchFamily="18" charset="0"/>
-                          </a:rPr>
-                          <m:t>𝜇</m:t>
-                        </m:r>
-                      </m:e>
-                      <m:sub>
-                        <m:r>
-                          <a:rPr lang="en-US" sz="2800" i="1">
-                            <a:latin typeface="Cambria Math" panose="02040503050406030204" pitchFamily="18" charset="0"/>
-                          </a:rPr>
-                          <m:t>1</m:t>
-                        </m:r>
-                      </m:sub>
-                    </m:sSub>
-                    <m:r>
-                      <a:rPr lang="en-US" sz="2800" i="1">
-                        <a:latin typeface="Cambria Math" panose="02040503050406030204" pitchFamily="18" charset="0"/>
-                      </a:rPr>
-                      <m:t>=</m:t>
-                    </m:r>
-                    <m:r>
-                      <a:rPr lang="en-US" sz="2800" i="1">
-                        <a:latin typeface="Cambria Math" panose="02040503050406030204" pitchFamily="18" charset="0"/>
-                      </a:rPr>
-                      <m:t>𝐹𝑖𝑟𝑠𝑡</m:t>
-                    </m:r>
-                    <m:r>
-                      <a:rPr lang="en-US" sz="2800" i="1">
-                        <a:latin typeface="Cambria Math" panose="02040503050406030204" pitchFamily="18" charset="0"/>
-                      </a:rPr>
-                      <m:t> </m:t>
-                    </m:r>
-                    <m:r>
-                      <a:rPr lang="en-US" sz="2800" i="1">
-                        <a:latin typeface="Cambria Math" panose="02040503050406030204" pitchFamily="18" charset="0"/>
-                      </a:rPr>
-                      <m:t>𝑚𝑜𝑚𝑒𝑛𝑡</m:t>
-                    </m:r>
-                    <m:r>
-                      <a:rPr lang="en-US" sz="2800" i="1">
-                        <a:latin typeface="Cambria Math" panose="02040503050406030204" pitchFamily="18" charset="0"/>
-                      </a:rPr>
-                      <m:t>=</m:t>
-                    </m:r>
-                    <m:f>
-                      <m:fPr>
-                        <m:ctrlPr>
-                          <a:rPr lang="en-US" sz="2800" i="1">
-                            <a:latin typeface="Cambria Math" panose="02040503050406030204" pitchFamily="18" charset="0"/>
-                          </a:rPr>
-                        </m:ctrlPr>
-                      </m:fPr>
-                      <m:num>
-                        <m:nary>
-                          <m:naryPr>
-                            <m:chr m:val="∑"/>
-                            <m:subHide m:val="on"/>
-                            <m:supHide m:val="on"/>
-                            <m:ctrlPr>
-                              <a:rPr lang="en-US" sz="2800" i="1">
-                                <a:latin typeface="Cambria Math" panose="02040503050406030204" pitchFamily="18" charset="0"/>
-                              </a:rPr>
-                            </m:ctrlPr>
-                          </m:naryPr>
-                          <m:sub/>
-                          <m:sup/>
-                          <m:e>
-                            <m:sSup>
-                              <m:sSupPr>
-                                <m:ctrlPr>
-                                  <a:rPr lang="en-US" sz="2800" i="1">
-                                    <a:latin typeface="Cambria Math" panose="02040503050406030204" pitchFamily="18" charset="0"/>
-                                  </a:rPr>
-                                </m:ctrlPr>
-                              </m:sSupPr>
-                              <m:e>
-                                <m:d>
-                                  <m:dPr>
-                                    <m:ctrlPr>
-                                      <a:rPr lang="en-US" sz="2800" i="1">
-                                        <a:latin typeface="Cambria Math" panose="02040503050406030204" pitchFamily="18" charset="0"/>
-                                      </a:rPr>
-                                    </m:ctrlPr>
-                                  </m:dPr>
-                                  <m:e>
-                                    <m:sSub>
-                                      <m:sSubPr>
-                                        <m:ctrlPr>
-                                          <a:rPr lang="en-US" sz="2800" i="1">
-                                            <a:latin typeface="Cambria Math" panose="02040503050406030204" pitchFamily="18" charset="0"/>
-                                          </a:rPr>
-                                        </m:ctrlPr>
-                                      </m:sSubPr>
-                                      <m:e>
-                                        <m:r>
-                                          <a:rPr lang="en-US" sz="2800" i="1">
-                                            <a:latin typeface="Cambria Math" panose="02040503050406030204" pitchFamily="18" charset="0"/>
-                                          </a:rPr>
-                                          <m:t>𝑋</m:t>
-                                        </m:r>
-                                      </m:e>
-                                      <m:sub>
-                                        <m:r>
-                                          <a:rPr lang="en-US" sz="2800" i="1">
-                                            <a:latin typeface="Cambria Math" panose="02040503050406030204" pitchFamily="18" charset="0"/>
-                                          </a:rPr>
-                                          <m:t>𝑖</m:t>
-                                        </m:r>
-                                      </m:sub>
-                                    </m:sSub>
-                                    <m:r>
-                                      <a:rPr lang="en-US" sz="2800" i="1">
-                                        <a:latin typeface="Cambria Math" panose="02040503050406030204" pitchFamily="18" charset="0"/>
-                                      </a:rPr>
-                                      <m:t>−</m:t>
-                                    </m:r>
-                                    <m:acc>
-                                      <m:accPr>
-                                        <m:chr m:val="̅"/>
-                                        <m:ctrlPr>
-                                          <a:rPr lang="en-US" sz="2800" i="1">
-                                            <a:latin typeface="Cambria Math" panose="02040503050406030204" pitchFamily="18" charset="0"/>
-                                          </a:rPr>
-                                        </m:ctrlPr>
-                                      </m:accPr>
-                                      <m:e>
-                                        <m:r>
-                                          <a:rPr lang="en-US" sz="2800" i="1">
-                                            <a:latin typeface="Cambria Math" panose="02040503050406030204" pitchFamily="18" charset="0"/>
-                                          </a:rPr>
-                                          <m:t>𝑋</m:t>
-                                        </m:r>
-                                      </m:e>
-                                    </m:acc>
-                                  </m:e>
-                                </m:d>
-                              </m:e>
-                              <m:sup>
-                                <m:r>
-                                  <a:rPr lang="en-US" sz="2800" i="1">
-                                    <a:latin typeface="Cambria Math" panose="02040503050406030204" pitchFamily="18" charset="0"/>
-                                  </a:rPr>
-                                  <m:t>1</m:t>
-                                </m:r>
-                              </m:sup>
-                            </m:sSup>
-                          </m:e>
-                        </m:nary>
-                      </m:num>
-                      <m:den>
-                        <m:r>
-                          <a:rPr lang="en-US" sz="2800" i="1">
-                            <a:latin typeface="Cambria Math" panose="02040503050406030204" pitchFamily="18" charset="0"/>
-                          </a:rPr>
-                          <m:t>𝑁</m:t>
-                        </m:r>
-                      </m:den>
-                    </m:f>
-                  </m:oMath>
-                </a14:m>
-                <a:endParaRPr lang="en-US" sz="2800" dirty="0"/>
-              </a:p>
-              <a:p>
-                <a:pPr marL="457200" indent="-457200">
-                  <a:buFont typeface="Arial" panose="020B0604020202020204" pitchFamily="34" charset="0"/>
-                  <a:buChar char="•"/>
-                </a:pPr>
-                <a14:m>
-                  <m:oMath xmlns:m="http://schemas.openxmlformats.org/officeDocument/2006/math">
-                    <m:r>
-                      <a:rPr lang="en-US" sz="2800" i="1">
-                        <a:latin typeface="Cambria Math" panose="02040503050406030204" pitchFamily="18" charset="0"/>
-                      </a:rPr>
-                      <m:t>𝐼𝑓</m:t>
-                    </m:r>
-                    <m:r>
-                      <a:rPr lang="en-US" sz="2800" i="1">
-                        <a:latin typeface="Cambria Math" panose="02040503050406030204" pitchFamily="18" charset="0"/>
-                      </a:rPr>
-                      <m:t> </m:t>
-                    </m:r>
-                    <m:r>
-                      <a:rPr lang="en-US" sz="2800" i="1">
-                        <a:latin typeface="Cambria Math" panose="02040503050406030204" pitchFamily="18" charset="0"/>
-                      </a:rPr>
-                      <m:t>𝑟</m:t>
-                    </m:r>
-                    <m:r>
-                      <a:rPr lang="en-US" sz="2800" i="1">
-                        <a:latin typeface="Cambria Math" panose="02040503050406030204" pitchFamily="18" charset="0"/>
-                      </a:rPr>
-                      <m:t>=2, </m:t>
-                    </m:r>
-                    <m:sSub>
-                      <m:sSubPr>
-                        <m:ctrlPr>
-                          <a:rPr lang="en-US" sz="2800" i="1">
-                            <a:latin typeface="Cambria Math" panose="02040503050406030204" pitchFamily="18" charset="0"/>
-                          </a:rPr>
-                        </m:ctrlPr>
-                      </m:sSubPr>
-                      <m:e>
-                        <m:r>
-                          <a:rPr lang="en-US" sz="2800" i="1">
-                            <a:latin typeface="Cambria Math" panose="02040503050406030204" pitchFamily="18" charset="0"/>
-                          </a:rPr>
-                          <m:t>𝜇</m:t>
-                        </m:r>
-                      </m:e>
-                      <m:sub>
-                        <m:r>
-                          <a:rPr lang="en-US" sz="2800" i="1">
-                            <a:latin typeface="Cambria Math" panose="02040503050406030204" pitchFamily="18" charset="0"/>
-                          </a:rPr>
-                          <m:t>2</m:t>
-                        </m:r>
-                      </m:sub>
-                    </m:sSub>
-                    <m:r>
-                      <a:rPr lang="en-US" sz="2800" i="1">
-                        <a:latin typeface="Cambria Math" panose="02040503050406030204" pitchFamily="18" charset="0"/>
-                      </a:rPr>
-                      <m:t>=</m:t>
-                    </m:r>
-                    <m:r>
-                      <a:rPr lang="en-US" sz="2800" i="1">
-                        <a:latin typeface="Cambria Math" panose="02040503050406030204" pitchFamily="18" charset="0"/>
-                      </a:rPr>
-                      <m:t>𝑆𝑒𝑐𝑜𝑛𝑑</m:t>
-                    </m:r>
-                    <m:r>
-                      <a:rPr lang="en-US" sz="2800" i="1">
-                        <a:latin typeface="Cambria Math" panose="02040503050406030204" pitchFamily="18" charset="0"/>
-                      </a:rPr>
-                      <m:t> </m:t>
-                    </m:r>
-                    <m:r>
-                      <a:rPr lang="en-US" sz="2800" i="1">
-                        <a:latin typeface="Cambria Math" panose="02040503050406030204" pitchFamily="18" charset="0"/>
-                      </a:rPr>
-                      <m:t>𝑚𝑜𝑚𝑒𝑛𝑡</m:t>
-                    </m:r>
-                    <m:r>
-                      <a:rPr lang="en-US" sz="2800" i="1">
-                        <a:latin typeface="Cambria Math" panose="02040503050406030204" pitchFamily="18" charset="0"/>
-                      </a:rPr>
-                      <m:t>=</m:t>
-                    </m:r>
-                    <m:f>
-                      <m:fPr>
-                        <m:ctrlPr>
-                          <a:rPr lang="en-US" sz="2800" i="1">
-                            <a:latin typeface="Cambria Math" panose="02040503050406030204" pitchFamily="18" charset="0"/>
-                          </a:rPr>
-                        </m:ctrlPr>
-                      </m:fPr>
-                      <m:num>
-                        <m:nary>
-                          <m:naryPr>
-                            <m:chr m:val="∑"/>
-                            <m:subHide m:val="on"/>
-                            <m:supHide m:val="on"/>
-                            <m:ctrlPr>
-                              <a:rPr lang="en-US" sz="2800" i="1">
-                                <a:latin typeface="Cambria Math" panose="02040503050406030204" pitchFamily="18" charset="0"/>
-                              </a:rPr>
-                            </m:ctrlPr>
-                          </m:naryPr>
-                          <m:sub/>
-                          <m:sup/>
-                          <m:e>
-                            <m:sSup>
-                              <m:sSupPr>
-                                <m:ctrlPr>
-                                  <a:rPr lang="en-US" sz="2800" i="1">
-                                    <a:latin typeface="Cambria Math" panose="02040503050406030204" pitchFamily="18" charset="0"/>
-                                  </a:rPr>
-                                </m:ctrlPr>
-                              </m:sSupPr>
-                              <m:e>
-                                <m:d>
-                                  <m:dPr>
-                                    <m:ctrlPr>
-                                      <a:rPr lang="en-US" sz="2800" i="1">
-                                        <a:latin typeface="Cambria Math" panose="02040503050406030204" pitchFamily="18" charset="0"/>
-                                      </a:rPr>
-                                    </m:ctrlPr>
-                                  </m:dPr>
-                                  <m:e>
-                                    <m:sSub>
-                                      <m:sSubPr>
-                                        <m:ctrlPr>
-                                          <a:rPr lang="en-US" sz="2800" i="1">
-                                            <a:latin typeface="Cambria Math" panose="02040503050406030204" pitchFamily="18" charset="0"/>
-                                          </a:rPr>
-                                        </m:ctrlPr>
-                                      </m:sSubPr>
-                                      <m:e>
-                                        <m:r>
-                                          <a:rPr lang="en-US" sz="2800" i="1">
-                                            <a:latin typeface="Cambria Math" panose="02040503050406030204" pitchFamily="18" charset="0"/>
-                                          </a:rPr>
-                                          <m:t>𝑋</m:t>
-                                        </m:r>
-                                      </m:e>
-                                      <m:sub>
-                                        <m:r>
-                                          <a:rPr lang="en-US" sz="2800" i="1">
-                                            <a:latin typeface="Cambria Math" panose="02040503050406030204" pitchFamily="18" charset="0"/>
-                                          </a:rPr>
-                                          <m:t>𝑖</m:t>
-                                        </m:r>
-                                      </m:sub>
-                                    </m:sSub>
-                                    <m:r>
-                                      <a:rPr lang="en-US" sz="2800" i="1">
-                                        <a:latin typeface="Cambria Math" panose="02040503050406030204" pitchFamily="18" charset="0"/>
-                                      </a:rPr>
-                                      <m:t>−</m:t>
-                                    </m:r>
-                                    <m:acc>
-                                      <m:accPr>
-                                        <m:chr m:val="̅"/>
-                                        <m:ctrlPr>
-                                          <a:rPr lang="en-US" sz="2800" i="1">
-                                            <a:latin typeface="Cambria Math" panose="02040503050406030204" pitchFamily="18" charset="0"/>
-                                          </a:rPr>
-                                        </m:ctrlPr>
-                                      </m:accPr>
-                                      <m:e>
-                                        <m:r>
-                                          <a:rPr lang="en-US" sz="2800" i="1">
-                                            <a:latin typeface="Cambria Math" panose="02040503050406030204" pitchFamily="18" charset="0"/>
-                                          </a:rPr>
-                                          <m:t>𝑋</m:t>
-                                        </m:r>
-                                      </m:e>
-                                    </m:acc>
-                                  </m:e>
-                                </m:d>
-                              </m:e>
-                              <m:sup>
-                                <m:r>
-                                  <a:rPr lang="en-US" sz="2800" i="1">
-                                    <a:latin typeface="Cambria Math" panose="02040503050406030204" pitchFamily="18" charset="0"/>
-                                  </a:rPr>
-                                  <m:t>2</m:t>
-                                </m:r>
-                              </m:sup>
-                            </m:sSup>
-                          </m:e>
-                        </m:nary>
-                      </m:num>
-                      <m:den>
-                        <m:r>
-                          <a:rPr lang="en-US" sz="2800" i="1">
-                            <a:latin typeface="Cambria Math" panose="02040503050406030204" pitchFamily="18" charset="0"/>
-                          </a:rPr>
-                          <m:t>𝑁</m:t>
-                        </m:r>
-                      </m:den>
-                    </m:f>
-                  </m:oMath>
-                </a14:m>
-                <a:endParaRPr lang="en-US" sz="2800" i="1" dirty="0">
-                  <a:latin typeface="Cambria Math" panose="02040503050406030204" pitchFamily="18" charset="0"/>
-                </a:endParaRPr>
-              </a:p>
-              <a:p>
-                <a:pPr marL="457200" indent="-457200">
-                  <a:buFont typeface="Arial" panose="020B0604020202020204" pitchFamily="34" charset="0"/>
-                  <a:buChar char="•"/>
-                </a:pPr>
-                <a14:m>
-                  <m:oMath xmlns:m="http://schemas.openxmlformats.org/officeDocument/2006/math">
-                    <m:r>
-                      <a:rPr lang="en-US" sz="2800" i="1">
-                        <a:latin typeface="Cambria Math" panose="02040503050406030204" pitchFamily="18" charset="0"/>
-                      </a:rPr>
-                      <m:t>𝐼𝑓</m:t>
-                    </m:r>
-                    <m:r>
-                      <a:rPr lang="en-US" sz="2800" i="1">
-                        <a:latin typeface="Cambria Math" panose="02040503050406030204" pitchFamily="18" charset="0"/>
-                      </a:rPr>
-                      <m:t> </m:t>
-                    </m:r>
-                    <m:r>
-                      <a:rPr lang="en-US" sz="2800" i="1">
-                        <a:latin typeface="Cambria Math" panose="02040503050406030204" pitchFamily="18" charset="0"/>
-                      </a:rPr>
-                      <m:t>𝑟</m:t>
-                    </m:r>
-                    <m:r>
-                      <a:rPr lang="en-US" sz="2800" i="1">
-                        <a:latin typeface="Cambria Math" panose="02040503050406030204" pitchFamily="18" charset="0"/>
-                      </a:rPr>
-                      <m:t>=3, </m:t>
-                    </m:r>
-                    <m:sSub>
-                      <m:sSubPr>
-                        <m:ctrlPr>
-                          <a:rPr lang="en-US" sz="2800" i="1">
-                            <a:latin typeface="Cambria Math" panose="02040503050406030204" pitchFamily="18" charset="0"/>
-                          </a:rPr>
-                        </m:ctrlPr>
-                      </m:sSubPr>
-                      <m:e>
-                        <m:r>
-                          <a:rPr lang="en-US" sz="2800" i="1">
-                            <a:latin typeface="Cambria Math" panose="02040503050406030204" pitchFamily="18" charset="0"/>
-                          </a:rPr>
-                          <m:t>𝜇</m:t>
-                        </m:r>
-                      </m:e>
-                      <m:sub>
-                        <m:r>
-                          <a:rPr lang="en-US" sz="2800" i="1">
-                            <a:latin typeface="Cambria Math" panose="02040503050406030204" pitchFamily="18" charset="0"/>
-                          </a:rPr>
-                          <m:t>3</m:t>
-                        </m:r>
-                      </m:sub>
-                    </m:sSub>
-                    <m:r>
-                      <a:rPr lang="en-US" sz="2800" i="1">
-                        <a:latin typeface="Cambria Math" panose="02040503050406030204" pitchFamily="18" charset="0"/>
-                      </a:rPr>
-                      <m:t>=</m:t>
-                    </m:r>
-                    <m:r>
-                      <a:rPr lang="en-US" sz="2800" i="1">
-                        <a:latin typeface="Cambria Math" panose="02040503050406030204" pitchFamily="18" charset="0"/>
-                      </a:rPr>
-                      <m:t>𝑇h𝑖𝑟𝑑</m:t>
-                    </m:r>
-                    <m:r>
-                      <a:rPr lang="en-US" sz="2800" i="1">
-                        <a:latin typeface="Cambria Math" panose="02040503050406030204" pitchFamily="18" charset="0"/>
-                      </a:rPr>
-                      <m:t> </m:t>
-                    </m:r>
-                    <m:r>
-                      <a:rPr lang="en-US" sz="2800" i="1">
-                        <a:latin typeface="Cambria Math" panose="02040503050406030204" pitchFamily="18" charset="0"/>
-                      </a:rPr>
-                      <m:t>𝑚𝑜𝑚𝑒𝑛𝑡</m:t>
-                    </m:r>
-                    <m:r>
-                      <a:rPr lang="en-US" sz="2800" i="1">
-                        <a:latin typeface="Cambria Math" panose="02040503050406030204" pitchFamily="18" charset="0"/>
-                      </a:rPr>
-                      <m:t>=</m:t>
-                    </m:r>
-                    <m:f>
-                      <m:fPr>
-                        <m:ctrlPr>
-                          <a:rPr lang="en-US" sz="2800" i="1">
-                            <a:latin typeface="Cambria Math" panose="02040503050406030204" pitchFamily="18" charset="0"/>
-                          </a:rPr>
-                        </m:ctrlPr>
-                      </m:fPr>
-                      <m:num>
-                        <m:nary>
-                          <m:naryPr>
-                            <m:chr m:val="∑"/>
-                            <m:subHide m:val="on"/>
-                            <m:supHide m:val="on"/>
-                            <m:ctrlPr>
-                              <a:rPr lang="en-US" sz="2800" i="1">
-                                <a:latin typeface="Cambria Math" panose="02040503050406030204" pitchFamily="18" charset="0"/>
-                              </a:rPr>
-                            </m:ctrlPr>
-                          </m:naryPr>
-                          <m:sub/>
-                          <m:sup/>
-                          <m:e>
-                            <m:sSup>
-                              <m:sSupPr>
-                                <m:ctrlPr>
-                                  <a:rPr lang="en-US" sz="2800" i="1">
-                                    <a:latin typeface="Cambria Math" panose="02040503050406030204" pitchFamily="18" charset="0"/>
-                                  </a:rPr>
-                                </m:ctrlPr>
-                              </m:sSupPr>
-                              <m:e>
-                                <m:d>
-                                  <m:dPr>
-                                    <m:ctrlPr>
-                                      <a:rPr lang="en-US" sz="2800" i="1">
-                                        <a:latin typeface="Cambria Math" panose="02040503050406030204" pitchFamily="18" charset="0"/>
-                                      </a:rPr>
-                                    </m:ctrlPr>
-                                  </m:dPr>
-                                  <m:e>
-                                    <m:sSub>
-                                      <m:sSubPr>
-                                        <m:ctrlPr>
-                                          <a:rPr lang="en-US" sz="2800" i="1">
-                                            <a:latin typeface="Cambria Math" panose="02040503050406030204" pitchFamily="18" charset="0"/>
-                                          </a:rPr>
-                                        </m:ctrlPr>
-                                      </m:sSubPr>
-                                      <m:e>
-                                        <m:r>
-                                          <a:rPr lang="en-US" sz="2800" i="1">
-                                            <a:latin typeface="Cambria Math" panose="02040503050406030204" pitchFamily="18" charset="0"/>
-                                          </a:rPr>
-                                          <m:t>𝑋</m:t>
-                                        </m:r>
-                                      </m:e>
-                                      <m:sub>
-                                        <m:r>
-                                          <a:rPr lang="en-US" sz="2800" i="1">
-                                            <a:latin typeface="Cambria Math" panose="02040503050406030204" pitchFamily="18" charset="0"/>
-                                          </a:rPr>
-                                          <m:t>𝑖</m:t>
-                                        </m:r>
-                                      </m:sub>
-                                    </m:sSub>
-                                    <m:r>
-                                      <a:rPr lang="en-US" sz="2800" i="1">
-                                        <a:latin typeface="Cambria Math" panose="02040503050406030204" pitchFamily="18" charset="0"/>
-                                      </a:rPr>
-                                      <m:t>−</m:t>
-                                    </m:r>
-                                    <m:acc>
-                                      <m:accPr>
-                                        <m:chr m:val="̅"/>
-                                        <m:ctrlPr>
-                                          <a:rPr lang="en-US" sz="2800" i="1">
-                                            <a:latin typeface="Cambria Math" panose="02040503050406030204" pitchFamily="18" charset="0"/>
-                                          </a:rPr>
-                                        </m:ctrlPr>
-                                      </m:accPr>
-                                      <m:e>
-                                        <m:r>
-                                          <a:rPr lang="en-US" sz="2800" i="1">
-                                            <a:latin typeface="Cambria Math" panose="02040503050406030204" pitchFamily="18" charset="0"/>
-                                          </a:rPr>
-                                          <m:t>𝑋</m:t>
-                                        </m:r>
-                                      </m:e>
-                                    </m:acc>
-                                  </m:e>
-                                </m:d>
-                              </m:e>
-                              <m:sup>
-                                <m:r>
-                                  <a:rPr lang="en-US" sz="2800" i="1">
-                                    <a:latin typeface="Cambria Math" panose="02040503050406030204" pitchFamily="18" charset="0"/>
-                                  </a:rPr>
-                                  <m:t>3</m:t>
-                                </m:r>
-                              </m:sup>
-                            </m:sSup>
-                          </m:e>
-                        </m:nary>
-                      </m:num>
-                      <m:den>
-                        <m:r>
-                          <a:rPr lang="en-US" sz="2800" i="1">
-                            <a:latin typeface="Cambria Math" panose="02040503050406030204" pitchFamily="18" charset="0"/>
-                          </a:rPr>
-                          <m:t>𝑁</m:t>
-                        </m:r>
-                      </m:den>
-                    </m:f>
-                  </m:oMath>
-                </a14:m>
-                <a:endParaRPr lang="en-US" sz="2800" dirty="0"/>
-              </a:p>
-              <a:p>
-                <a:pPr marL="457200" indent="-457200">
-                  <a:buFont typeface="Arial" panose="020B0604020202020204" pitchFamily="34" charset="0"/>
-                  <a:buChar char="•"/>
-                </a:pPr>
-                <a14:m>
-                  <m:oMath xmlns:m="http://schemas.openxmlformats.org/officeDocument/2006/math">
-                    <m:r>
-                      <a:rPr lang="en-US" sz="2800" i="1">
-                        <a:latin typeface="Cambria Math" panose="02040503050406030204" pitchFamily="18" charset="0"/>
-                      </a:rPr>
-                      <m:t>𝐼𝑓</m:t>
-                    </m:r>
-                    <m:r>
-                      <a:rPr lang="en-US" sz="2800" i="1">
-                        <a:latin typeface="Cambria Math" panose="02040503050406030204" pitchFamily="18" charset="0"/>
-                      </a:rPr>
-                      <m:t> </m:t>
-                    </m:r>
-                    <m:r>
-                      <a:rPr lang="en-US" sz="2800" i="1">
-                        <a:latin typeface="Cambria Math" panose="02040503050406030204" pitchFamily="18" charset="0"/>
-                      </a:rPr>
-                      <m:t>𝑟</m:t>
-                    </m:r>
-                    <m:r>
-                      <a:rPr lang="en-US" sz="2800" i="1">
-                        <a:latin typeface="Cambria Math" panose="02040503050406030204" pitchFamily="18" charset="0"/>
-                      </a:rPr>
-                      <m:t>=4, </m:t>
-                    </m:r>
-                    <m:sSub>
-                      <m:sSubPr>
-                        <m:ctrlPr>
-                          <a:rPr lang="en-US" sz="2800" i="1">
-                            <a:latin typeface="Cambria Math" panose="02040503050406030204" pitchFamily="18" charset="0"/>
-                          </a:rPr>
-                        </m:ctrlPr>
-                      </m:sSubPr>
-                      <m:e>
-                        <m:r>
-                          <a:rPr lang="en-US" sz="2800" i="1">
-                            <a:latin typeface="Cambria Math" panose="02040503050406030204" pitchFamily="18" charset="0"/>
-                          </a:rPr>
-                          <m:t>𝜇</m:t>
-                        </m:r>
-                      </m:e>
-                      <m:sub>
-                        <m:r>
-                          <a:rPr lang="en-US" sz="2800" i="1">
-                            <a:latin typeface="Cambria Math" panose="02040503050406030204" pitchFamily="18" charset="0"/>
-                          </a:rPr>
-                          <m:t>4</m:t>
-                        </m:r>
-                      </m:sub>
-                    </m:sSub>
-                    <m:r>
-                      <a:rPr lang="en-US" sz="2800" i="1">
-                        <a:latin typeface="Cambria Math" panose="02040503050406030204" pitchFamily="18" charset="0"/>
-                      </a:rPr>
-                      <m:t>=</m:t>
-                    </m:r>
-                    <m:r>
-                      <a:rPr lang="en-US" sz="2800" i="1">
-                        <a:latin typeface="Cambria Math" panose="02040503050406030204" pitchFamily="18" charset="0"/>
-                      </a:rPr>
-                      <m:t>𝐹𝑜𝑢𝑟𝑡h</m:t>
-                    </m:r>
-                    <m:r>
-                      <a:rPr lang="en-US" sz="2800" i="1">
-                        <a:latin typeface="Cambria Math" panose="02040503050406030204" pitchFamily="18" charset="0"/>
-                      </a:rPr>
-                      <m:t> </m:t>
-                    </m:r>
-                    <m:r>
-                      <a:rPr lang="en-US" sz="2800" i="1">
-                        <a:latin typeface="Cambria Math" panose="02040503050406030204" pitchFamily="18" charset="0"/>
-                      </a:rPr>
-                      <m:t>𝑚𝑜𝑚𝑒𝑛𝑡</m:t>
-                    </m:r>
-                    <m:r>
-                      <a:rPr lang="en-US" sz="2800" i="1">
-                        <a:latin typeface="Cambria Math" panose="02040503050406030204" pitchFamily="18" charset="0"/>
-                      </a:rPr>
-                      <m:t>=</m:t>
-                    </m:r>
-                    <m:f>
-                      <m:fPr>
-                        <m:ctrlPr>
-                          <a:rPr lang="en-US" sz="2800" i="1">
-                            <a:latin typeface="Cambria Math" panose="02040503050406030204" pitchFamily="18" charset="0"/>
-                          </a:rPr>
-                        </m:ctrlPr>
-                      </m:fPr>
-                      <m:num>
-                        <m:nary>
-                          <m:naryPr>
-                            <m:chr m:val="∑"/>
-                            <m:subHide m:val="on"/>
-                            <m:supHide m:val="on"/>
-                            <m:ctrlPr>
-                              <a:rPr lang="en-US" sz="2800" i="1">
-                                <a:latin typeface="Cambria Math" panose="02040503050406030204" pitchFamily="18" charset="0"/>
-                              </a:rPr>
-                            </m:ctrlPr>
-                          </m:naryPr>
-                          <m:sub/>
-                          <m:sup/>
-                          <m:e>
-                            <m:sSup>
-                              <m:sSupPr>
-                                <m:ctrlPr>
-                                  <a:rPr lang="en-US" sz="2800" i="1">
-                                    <a:latin typeface="Cambria Math" panose="02040503050406030204" pitchFamily="18" charset="0"/>
-                                  </a:rPr>
-                                </m:ctrlPr>
-                              </m:sSupPr>
-                              <m:e>
-                                <m:d>
-                                  <m:dPr>
-                                    <m:ctrlPr>
-                                      <a:rPr lang="en-US" sz="2800" i="1">
-                                        <a:latin typeface="Cambria Math" panose="02040503050406030204" pitchFamily="18" charset="0"/>
-                                      </a:rPr>
-                                    </m:ctrlPr>
-                                  </m:dPr>
-                                  <m:e>
-                                    <m:sSub>
-                                      <m:sSubPr>
-                                        <m:ctrlPr>
-                                          <a:rPr lang="en-US" sz="2800" i="1">
-                                            <a:latin typeface="Cambria Math" panose="02040503050406030204" pitchFamily="18" charset="0"/>
-                                          </a:rPr>
-                                        </m:ctrlPr>
-                                      </m:sSubPr>
-                                      <m:e>
-                                        <m:r>
-                                          <a:rPr lang="en-US" sz="2800" i="1">
-                                            <a:latin typeface="Cambria Math" panose="02040503050406030204" pitchFamily="18" charset="0"/>
-                                          </a:rPr>
-                                          <m:t>𝑋</m:t>
-                                        </m:r>
-                                      </m:e>
-                                      <m:sub>
-                                        <m:r>
-                                          <a:rPr lang="en-US" sz="2800" i="1">
-                                            <a:latin typeface="Cambria Math" panose="02040503050406030204" pitchFamily="18" charset="0"/>
-                                          </a:rPr>
-                                          <m:t>𝑖</m:t>
-                                        </m:r>
-                                      </m:sub>
-                                    </m:sSub>
-                                    <m:r>
-                                      <a:rPr lang="en-US" sz="2800" i="1">
-                                        <a:latin typeface="Cambria Math" panose="02040503050406030204" pitchFamily="18" charset="0"/>
-                                      </a:rPr>
-                                      <m:t>−</m:t>
-                                    </m:r>
-                                    <m:acc>
-                                      <m:accPr>
-                                        <m:chr m:val="̅"/>
-                                        <m:ctrlPr>
-                                          <a:rPr lang="en-US" sz="2800" i="1">
-                                            <a:latin typeface="Cambria Math" panose="02040503050406030204" pitchFamily="18" charset="0"/>
-                                          </a:rPr>
-                                        </m:ctrlPr>
-                                      </m:accPr>
-                                      <m:e>
-                                        <m:r>
-                                          <a:rPr lang="en-US" sz="2800" i="1">
-                                            <a:latin typeface="Cambria Math" panose="02040503050406030204" pitchFamily="18" charset="0"/>
-                                          </a:rPr>
-                                          <m:t>𝑋</m:t>
-                                        </m:r>
-                                      </m:e>
-                                    </m:acc>
-                                  </m:e>
-                                </m:d>
-                              </m:e>
-                              <m:sup>
-                                <m:r>
-                                  <a:rPr lang="en-US" sz="2800" i="1">
-                                    <a:latin typeface="Cambria Math" panose="02040503050406030204" pitchFamily="18" charset="0"/>
-                                  </a:rPr>
-                                  <m:t>4</m:t>
-                                </m:r>
-                              </m:sup>
-                            </m:sSup>
-                          </m:e>
-                        </m:nary>
-                      </m:num>
-                      <m:den>
-                        <m:r>
-                          <a:rPr lang="en-US" sz="2800" i="1">
-                            <a:latin typeface="Cambria Math" panose="02040503050406030204" pitchFamily="18" charset="0"/>
-                          </a:rPr>
-                          <m:t>𝑁</m:t>
-                        </m:r>
-                      </m:den>
-                    </m:f>
-                  </m:oMath>
-                </a14:m>
-                <a:endParaRPr lang="en-US" sz="2800" dirty="0"/>
-              </a:p>
-              <a:p>
-                <a:endParaRPr lang="en-US" sz="2800" dirty="0"/>
-              </a:p>
-            </p:txBody>
-          </p:sp>
-        </mc:Choice>
-        <mc:Fallback xmlns="">
-          <p:sp>
-            <p:nvSpPr>
-              <p:cNvPr id="4" name="TextBox 3">
-                <a:extLst>
-                  <a:ext uri="{FF2B5EF4-FFF2-40B4-BE49-F238E27FC236}">
-                    <a16:creationId xmlns:a16="http://schemas.microsoft.com/office/drawing/2014/main" id="{D4328E28-A332-DF9D-3E7B-E977DEEF2A83}"/>
-                  </a:ext>
-                </a:extLst>
-              </p:cNvPr>
-              <p:cNvSpPr txBox="1">
-                <a:spLocks noRot="1" noChangeAspect="1" noMove="1" noResize="1" noEditPoints="1" noAdjustHandles="1" noChangeArrowheads="1" noChangeShapeType="1" noTextEdit="1"/>
-              </p:cNvSpPr>
-              <p:nvPr/>
-            </p:nvSpPr>
-            <p:spPr>
-              <a:xfrm>
-                <a:off x="7314824" y="3452897"/>
-                <a:ext cx="7222270" cy="3246483"/>
-              </a:xfrm>
-              <a:prstGeom prst="rect">
-                <a:avLst/>
-              </a:prstGeom>
-              <a:blipFill>
-                <a:blip r:embed="rId3"/>
-                <a:stretch>
-                  <a:fillRect/>
-                </a:stretch>
-              </a:blipFill>
-              <a:ln w="12700">
-                <a:solidFill>
-                  <a:schemeClr val="tx1"/>
-                </a:solidFill>
-              </a:ln>
-            </p:spPr>
-            <p:txBody>
-              <a:bodyPr/>
-              <a:lstStyle/>
-              <a:p>
-                <a:r>
-                  <a:rPr lang="en-US">
-                    <a:noFill/>
-                  </a:rPr>
-                  <a:t> </a:t>
-                </a:r>
-              </a:p>
-            </p:txBody>
-          </p:sp>
-        </mc:Fallback>
-      </mc:AlternateContent>
-    </p:spTree>
-    <p:extLst>
-      <p:ext uri="{BB962C8B-B14F-4D97-AF65-F5344CB8AC3E}">
-        <p14:creationId xmlns:p14="http://schemas.microsoft.com/office/powerpoint/2010/main" val="3032640947"/>
-      </p:ext>
-    </p:extLst>
-  </p:cSld>
-  <p:clrMapOvr>
-    <a:masterClrMapping/>
-  </p:clrMapOvr>
-  <p:timing>
-    <p:tnLst>
-      <p:par>
-        <p:cTn id="1" dur="indefinite" restart="never" nodeType="tmRoot">
-          <p:childTnLst>
-            <p:seq concurrent="1" nextAc="seek">
-              <p:cTn id="2" dur="indefinite" nodeType="mainSeq">
-                <p:childTnLst>
-                  <p:par>
-                    <p:cTn id="3" fill="hold">
-                      <p:stCondLst>
-                        <p:cond delay="indefinite"/>
-                      </p:stCondLst>
-                      <p:childTnLst>
-                        <p:par>
-                          <p:cTn id="4" fill="hold">
-                            <p:stCondLst>
-                              <p:cond delay="0"/>
-                            </p:stCondLst>
-                            <p:childTnLst>
-                              <p:par>
-                                <p:cTn id="5" presetID="1" presetClass="entr" presetSubtype="0" fill="hold" grpId="0" nodeType="clickEffect">
-                                  <p:stCondLst>
-                                    <p:cond delay="0"/>
-                                  </p:stCondLst>
-                                  <p:childTnLst>
-                                    <p:set>
-                                      <p:cBhvr>
-                                        <p:cTn id="6" dur="1" fill="hold">
-                                          <p:stCondLst>
-                                            <p:cond delay="0"/>
-                                          </p:stCondLst>
-                                        </p:cTn>
-                                        <p:tgtEl>
-                                          <p:spTgt spid="3">
-                                            <p:txEl>
-                                              <p:pRg st="0" end="0"/>
-                                            </p:txEl>
-                                          </p:spTgt>
-                                        </p:tgtEl>
-                                        <p:attrNameLst>
-                                          <p:attrName>style.visibility</p:attrName>
-                                        </p:attrNameLst>
-                                      </p:cBhvr>
-                                      <p:to>
-                                        <p:strVal val="visible"/>
-                                      </p:to>
-                                    </p:set>
-                                  </p:childTnLst>
-                                </p:cTn>
-                              </p:par>
-                            </p:childTnLst>
-                          </p:cTn>
-                        </p:par>
-                      </p:childTnLst>
-                    </p:cTn>
-                  </p:par>
-                  <p:par>
-                    <p:cTn id="7" fill="hold">
-                      <p:stCondLst>
-                        <p:cond delay="indefinite"/>
-                      </p:stCondLst>
-                      <p:childTnLst>
-                        <p:par>
-                          <p:cTn id="8" fill="hold">
-                            <p:stCondLst>
-                              <p:cond delay="0"/>
-                            </p:stCondLst>
-                            <p:childTnLst>
-                              <p:par>
-                                <p:cTn id="9" presetID="1" presetClass="entr" presetSubtype="0" fill="hold" grpId="0" nodeType="clickEffect">
-                                  <p:stCondLst>
-                                    <p:cond delay="0"/>
-                                  </p:stCondLst>
-                                  <p:childTnLst>
-                                    <p:set>
-                                      <p:cBhvr>
-                                        <p:cTn id="10" dur="1" fill="hold">
-                                          <p:stCondLst>
-                                            <p:cond delay="0"/>
-                                          </p:stCondLst>
-                                        </p:cTn>
-                                        <p:tgtEl>
-                                          <p:spTgt spid="3">
-                                            <p:txEl>
-                                              <p:pRg st="2" end="2"/>
-                                            </p:txEl>
-                                          </p:spTgt>
-                                        </p:tgtEl>
-                                        <p:attrNameLst>
-                                          <p:attrName>style.visibility</p:attrName>
-                                        </p:attrNameLst>
-                                      </p:cBhvr>
-                                      <p:to>
-                                        <p:strVal val="visible"/>
-                                      </p:to>
-                                    </p:set>
-                                  </p:childTnLst>
-                                </p:cTn>
-                              </p:par>
-                            </p:childTnLst>
-                          </p:cTn>
-                        </p:par>
-                      </p:childTnLst>
-                    </p:cTn>
-                  </p:par>
-                  <p:par>
-                    <p:cTn id="11" fill="hold">
-                      <p:stCondLst>
-                        <p:cond delay="indefinite"/>
-                      </p:stCondLst>
-                      <p:childTnLst>
-                        <p:par>
-                          <p:cTn id="12" fill="hold">
-                            <p:stCondLst>
-                              <p:cond delay="0"/>
-                            </p:stCondLst>
-                            <p:childTnLst>
-                              <p:par>
-                                <p:cTn id="13" presetID="42" presetClass="entr" presetSubtype="0" fill="hold" grpId="0" nodeType="clickEffect">
-                                  <p:stCondLst>
-                                    <p:cond delay="0"/>
-                                  </p:stCondLst>
-                                  <p:childTnLst>
-                                    <p:set>
-                                      <p:cBhvr>
-                                        <p:cTn id="14" dur="1" fill="hold">
-                                          <p:stCondLst>
-                                            <p:cond delay="0"/>
-                                          </p:stCondLst>
-                                        </p:cTn>
-                                        <p:tgtEl>
-                                          <p:spTgt spid="4"/>
-                                        </p:tgtEl>
-                                        <p:attrNameLst>
-                                          <p:attrName>style.visibility</p:attrName>
-                                        </p:attrNameLst>
-                                      </p:cBhvr>
-                                      <p:to>
-                                        <p:strVal val="visible"/>
-                                      </p:to>
-                                    </p:set>
-                                    <p:animEffect transition="in" filter="fade">
-                                      <p:cBhvr>
-                                        <p:cTn id="15" dur="1000"/>
-                                        <p:tgtEl>
-                                          <p:spTgt spid="4"/>
-                                        </p:tgtEl>
-                                      </p:cBhvr>
-                                    </p:animEffect>
-                                    <p:anim calcmode="lin" valueType="num">
-                                      <p:cBhvr>
-                                        <p:cTn id="16" dur="1000" fill="hold"/>
-                                        <p:tgtEl>
-                                          <p:spTgt spid="4"/>
-                                        </p:tgtEl>
-                                        <p:attrNameLst>
-                                          <p:attrName>ppt_x</p:attrName>
-                                        </p:attrNameLst>
-                                      </p:cBhvr>
-                                      <p:tavLst>
-                                        <p:tav tm="0">
-                                          <p:val>
-                                            <p:strVal val="#ppt_x"/>
-                                          </p:val>
-                                        </p:tav>
-                                        <p:tav tm="100000">
-                                          <p:val>
-                                            <p:strVal val="#ppt_x"/>
-                                          </p:val>
-                                        </p:tav>
-                                      </p:tavLst>
-                                    </p:anim>
-                                    <p:anim calcmode="lin" valueType="num">
-                                      <p:cBhvr>
-                                        <p:cTn id="17" dur="1000" fill="hold"/>
-                                        <p:tgtEl>
-                                          <p:spTgt spid="4"/>
-                                        </p:tgtEl>
-                                        <p:attrNameLst>
-                                          <p:attrName>ppt_y</p:attrName>
-                                        </p:attrNameLst>
-                                      </p:cBhvr>
-                                      <p:tavLst>
-                                        <p:tav tm="0">
-                                          <p:val>
-                                            <p:strVal val="#ppt_y+.1"/>
-                                          </p:val>
-                                        </p:tav>
-                                        <p:tav tm="100000">
-                                          <p:val>
-                                            <p:strVal val="#ppt_y"/>
-                                          </p:val>
-                                        </p:tav>
-                                      </p:tavLst>
-                                    </p:anim>
-                                  </p:childTnLst>
-                                </p:cTn>
-                              </p:par>
-                            </p:childTnLst>
-                          </p:cTn>
-                        </p:par>
-                      </p:childTnLst>
-                    </p:cTn>
-                  </p:par>
-                </p:childTnLst>
-              </p:cTn>
-              <p:prevCondLst>
-                <p:cond evt="onPrev" delay="0">
-                  <p:tgtEl>
-                    <p:sldTgt/>
-                  </p:tgtEl>
-                </p:cond>
-              </p:prevCondLst>
-              <p:nextCondLst>
-                <p:cond evt="onNext" delay="0">
-                  <p:tgtEl>
-                    <p:sldTgt/>
-                  </p:tgtEl>
-                </p:cond>
-              </p:nextCondLst>
-            </p:seq>
-          </p:childTnLst>
-        </p:cTn>
-      </p:par>
-    </p:tnLst>
-    <p:bldLst>
-      <p:bldP spid="3" grpId="0" build="p"/>
-      <p:bldP spid="4" grpId="0" animBg="1"/>
-    </p:bldLst>
-  </p:timing>
-</p:sld>
-</file>
-
-<file path=ppt/slides/slide5.xml><?xml version="1.0" encoding="utf-8"?>
-<p:sld xmlns:a="http://schemas.openxmlformats.org/drawingml/2006/main" xmlns:r="http://schemas.openxmlformats.org/officeDocument/2006/relationships" xmlns:p="http://schemas.openxmlformats.org/presentationml/2006/main">
-  <p:cSld>
-    <p:spTree>
-      <p:nvGrpSpPr>
-        <p:cNvPr id="1" name=""/>
-        <p:cNvGrpSpPr/>
-        <p:nvPr/>
-      </p:nvGrpSpPr>
-      <p:grpSpPr>
-        <a:xfrm>
-          <a:off x="0" y="0"/>
-          <a:ext cx="0" cy="0"/>
-          <a:chOff x="0" y="0"/>
-          <a:chExt cx="0" cy="0"/>
-        </a:xfrm>
-      </p:grpSpPr>
-      <p:sp>
-        <p:nvSpPr>
-          <p:cNvPr id="2" name="Title 1">
-            <a:extLst>
-              <a:ext uri="{FF2B5EF4-FFF2-40B4-BE49-F238E27FC236}">
-                <a16:creationId xmlns:a16="http://schemas.microsoft.com/office/drawing/2014/main" id="{AE3CE8B8-8455-1913-31F5-C8A759952E32}"/>
-              </a:ext>
-            </a:extLst>
-          </p:cNvPr>
-          <p:cNvSpPr>
-            <a:spLocks noGrp="1"/>
-          </p:cNvSpPr>
-          <p:nvPr>
-            <p:ph type="title"/>
-          </p:nvPr>
-        </p:nvSpPr>
-        <p:spPr>
-          <a:xfrm>
-            <a:off x="1283818" y="97470"/>
-            <a:ext cx="12070080" cy="1931213"/>
-          </a:xfrm>
-        </p:spPr>
-        <p:txBody>
-          <a:bodyPr/>
-          <a:lstStyle/>
-          <a:p>
-            <a:r>
-              <a:rPr lang="en-US" dirty="0"/>
               <a:t>Skewness</a:t>
             </a:r>
           </a:p>
@@ -34598,7 +32384,7 @@
 </p:sld>
 </file>
 
-<file path=ppt/slides/slide6.xml><?xml version="1.0" encoding="utf-8"?>
+<file path=ppt/slides/slide5.xml><?xml version="1.0" encoding="utf-8"?>
 <p:sld xmlns:a="http://schemas.openxmlformats.org/drawingml/2006/main" xmlns:r="http://schemas.openxmlformats.org/officeDocument/2006/relationships" xmlns:p="http://schemas.openxmlformats.org/presentationml/2006/main">
   <p:cSld>
     <p:spTree>
@@ -35575,7 +33361,7 @@
 </p:sld>
 </file>
 
-<file path=ppt/slides/slide7.xml><?xml version="1.0" encoding="utf-8"?>
+<file path=ppt/slides/slide6.xml><?xml version="1.0" encoding="utf-8"?>
 <p:sld xmlns:a="http://schemas.openxmlformats.org/drawingml/2006/main" xmlns:r="http://schemas.openxmlformats.org/officeDocument/2006/relationships" xmlns:p="http://schemas.openxmlformats.org/presentationml/2006/main">
   <p:cSld>
     <p:spTree>
@@ -35970,7 +33756,7 @@
 </p:sld>
 </file>
 
-<file path=ppt/slides/slide8.xml><?xml version="1.0" encoding="utf-8"?>
+<file path=ppt/slides/slide7.xml><?xml version="1.0" encoding="utf-8"?>
 <p:sld xmlns:a="http://schemas.openxmlformats.org/drawingml/2006/main" xmlns:r="http://schemas.openxmlformats.org/officeDocument/2006/relationships" xmlns:p="http://schemas.openxmlformats.org/presentationml/2006/main">
   <p:cSld>
     <p:spTree>
@@ -36586,7 +34372,7 @@
 </p:sld>
 </file>
 
-<file path=ppt/slides/slide9.xml><?xml version="1.0" encoding="utf-8"?>
+<file path=ppt/slides/slide8.xml><?xml version="1.0" encoding="utf-8"?>
 <p:sld xmlns:a="http://schemas.openxmlformats.org/drawingml/2006/main" xmlns:r="http://schemas.openxmlformats.org/officeDocument/2006/relationships" xmlns:p="http://schemas.openxmlformats.org/presentationml/2006/main">
   <p:cSld>
     <p:spTree>
@@ -37524,6 +35310,727 @@
 </p:sld>
 </file>
 
+<file path=ppt/slides/slide9.xml><?xml version="1.0" encoding="utf-8"?>
+<p:sld xmlns:a="http://schemas.openxmlformats.org/drawingml/2006/main" xmlns:r="http://schemas.openxmlformats.org/officeDocument/2006/relationships" xmlns:p="http://schemas.openxmlformats.org/presentationml/2006/main">
+  <p:cSld>
+    <p:spTree>
+      <p:nvGrpSpPr>
+        <p:cNvPr id="1" name=""/>
+        <p:cNvGrpSpPr/>
+        <p:nvPr/>
+      </p:nvGrpSpPr>
+      <p:grpSpPr>
+        <a:xfrm>
+          <a:off x="0" y="0"/>
+          <a:ext cx="0" cy="0"/>
+          <a:chOff x="0" y="0"/>
+          <a:chExt cx="0" cy="0"/>
+        </a:xfrm>
+      </p:grpSpPr>
+      <p:sp>
+        <p:nvSpPr>
+          <p:cNvPr id="2" name="Title 1">
+            <a:extLst>
+              <a:ext uri="{FF2B5EF4-FFF2-40B4-BE49-F238E27FC236}">
+                <a16:creationId xmlns:a16="http://schemas.microsoft.com/office/drawing/2014/main" id="{AE3CE8B8-8455-1913-31F5-C8A759952E32}"/>
+              </a:ext>
+            </a:extLst>
+          </p:cNvPr>
+          <p:cNvSpPr>
+            <a:spLocks noGrp="1"/>
+          </p:cNvSpPr>
+          <p:nvPr>
+            <p:ph type="title"/>
+          </p:nvPr>
+        </p:nvSpPr>
+        <p:spPr>
+          <a:xfrm>
+            <a:off x="1283818" y="97470"/>
+            <a:ext cx="12070080" cy="1931213"/>
+          </a:xfrm>
+        </p:spPr>
+        <p:txBody>
+          <a:bodyPr/>
+          <a:lstStyle/>
+          <a:p>
+            <a:r>
+              <a:rPr lang="en-US" dirty="0"/>
+              <a:t>Coefficient of skewness</a:t>
+            </a:r>
+          </a:p>
+        </p:txBody>
+      </p:sp>
+      <mc:AlternateContent xmlns:mc="http://schemas.openxmlformats.org/markup-compatibility/2006" xmlns:a14="http://schemas.microsoft.com/office/drawing/2010/main">
+        <mc:Choice Requires="a14">
+          <p:sp>
+            <p:nvSpPr>
+              <p:cNvPr id="3" name="Content Placeholder 2">
+                <a:extLst>
+                  <a:ext uri="{FF2B5EF4-FFF2-40B4-BE49-F238E27FC236}">
+                    <a16:creationId xmlns:a16="http://schemas.microsoft.com/office/drawing/2014/main" id="{EFDA7E4E-919B-F425-BAF9-7D2CFB21E498}"/>
+                  </a:ext>
+                </a:extLst>
+              </p:cNvPr>
+              <p:cNvSpPr>
+                <a:spLocks noGrp="1"/>
+              </p:cNvSpPr>
+              <p:nvPr>
+                <p:ph sz="quarter" idx="13"/>
+              </p:nvPr>
+            </p:nvSpPr>
+            <p:spPr>
+              <a:xfrm>
+                <a:off x="1096529" y="2123351"/>
+                <a:ext cx="12436591" cy="4108928"/>
+              </a:xfrm>
+            </p:spPr>
+            <p:txBody>
+              <a:bodyPr>
+                <a:normAutofit/>
+              </a:bodyPr>
+              <a:lstStyle/>
+              <a:p>
+                <a:pPr algn="just"/>
+                <a14:m>
+                  <m:oMath xmlns:m="http://schemas.openxmlformats.org/officeDocument/2006/math">
+                    <m:sSub>
+                      <m:sSubPr>
+                        <m:ctrlPr>
+                          <a:rPr lang="en-US" sz="3200" b="0" i="1" smtClean="0">
+                            <a:latin typeface="Cambria Math" panose="02040503050406030204" pitchFamily="18" charset="0"/>
+                          </a:rPr>
+                        </m:ctrlPr>
+                      </m:sSubPr>
+                      <m:e>
+                        <m:r>
+                          <a:rPr lang="en-US" sz="3200" b="0" i="1" smtClean="0">
+                            <a:latin typeface="Cambria Math" panose="02040503050406030204" pitchFamily="18" charset="0"/>
+                          </a:rPr>
+                          <m:t>𝑆</m:t>
+                        </m:r>
+                      </m:e>
+                      <m:sub>
+                        <m:r>
+                          <a:rPr lang="en-US" sz="3200" b="0" i="1" smtClean="0">
+                            <a:latin typeface="Cambria Math" panose="02040503050406030204" pitchFamily="18" charset="0"/>
+                          </a:rPr>
+                          <m:t>𝑘</m:t>
+                        </m:r>
+                      </m:sub>
+                    </m:sSub>
+                    <m:r>
+                      <a:rPr lang="en-US" sz="3200" b="0" i="1" smtClean="0">
+                        <a:latin typeface="Cambria Math" panose="02040503050406030204" pitchFamily="18" charset="0"/>
+                      </a:rPr>
+                      <m:t>=</m:t>
+                    </m:r>
+                    <m:f>
+                      <m:fPr>
+                        <m:ctrlPr>
+                          <a:rPr lang="en-US" sz="3200" b="0" i="1" smtClean="0">
+                            <a:latin typeface="Cambria Math" panose="02040503050406030204" pitchFamily="18" charset="0"/>
+                          </a:rPr>
+                        </m:ctrlPr>
+                      </m:fPr>
+                      <m:num>
+                        <m:r>
+                          <a:rPr lang="en-US" sz="3200" b="0" i="1" smtClean="0">
+                            <a:latin typeface="Cambria Math" panose="02040503050406030204" pitchFamily="18" charset="0"/>
+                          </a:rPr>
+                          <m:t>3(</m:t>
+                        </m:r>
+                        <m:r>
+                          <a:rPr lang="en-US" sz="3200" b="0" i="1" smtClean="0">
+                            <a:latin typeface="Cambria Math" panose="02040503050406030204" pitchFamily="18" charset="0"/>
+                          </a:rPr>
+                          <m:t>𝑀𝑒𝑎𝑛</m:t>
+                        </m:r>
+                        <m:r>
+                          <a:rPr lang="en-US" sz="3200" b="0" i="1" smtClean="0">
+                            <a:latin typeface="Cambria Math" panose="02040503050406030204" pitchFamily="18" charset="0"/>
+                          </a:rPr>
+                          <m:t>−</m:t>
+                        </m:r>
+                        <m:r>
+                          <a:rPr lang="en-US" sz="3200" b="0" i="1" smtClean="0">
+                            <a:latin typeface="Cambria Math" panose="02040503050406030204" pitchFamily="18" charset="0"/>
+                          </a:rPr>
+                          <m:t>𝑀𝑒𝑑𝑖𝑎𝑛</m:t>
+                        </m:r>
+                        <m:r>
+                          <a:rPr lang="en-US" sz="3200" b="0" i="1" smtClean="0">
+                            <a:latin typeface="Cambria Math" panose="02040503050406030204" pitchFamily="18" charset="0"/>
+                          </a:rPr>
+                          <m:t>)</m:t>
+                        </m:r>
+                      </m:num>
+                      <m:den>
+                        <m:r>
+                          <a:rPr lang="en-US" sz="3200" b="0" i="1" smtClean="0">
+                            <a:latin typeface="Cambria Math" panose="02040503050406030204" pitchFamily="18" charset="0"/>
+                          </a:rPr>
+                          <m:t>𝑆𝑡𝑎𝑛𝑑𝑎𝑟𝑑</m:t>
+                        </m:r>
+                        <m:r>
+                          <a:rPr lang="en-US" sz="3200" b="0" i="1" smtClean="0">
+                            <a:latin typeface="Cambria Math" panose="02040503050406030204" pitchFamily="18" charset="0"/>
+                          </a:rPr>
+                          <m:t> </m:t>
+                        </m:r>
+                        <m:r>
+                          <a:rPr lang="en-US" sz="3200" b="0" i="1" smtClean="0">
+                            <a:latin typeface="Cambria Math" panose="02040503050406030204" pitchFamily="18" charset="0"/>
+                          </a:rPr>
+                          <m:t>𝐷𝑒𝑣𝑖𝑎𝑡𝑖𝑜𝑛</m:t>
+                        </m:r>
+                      </m:den>
+                    </m:f>
+                  </m:oMath>
+                </a14:m>
+                <a:endParaRPr lang="en-US" sz="3200" i="1" dirty="0"/>
+              </a:p>
+            </p:txBody>
+          </p:sp>
+        </mc:Choice>
+        <mc:Fallback xmlns="">
+          <p:sp>
+            <p:nvSpPr>
+              <p:cNvPr id="3" name="Content Placeholder 2">
+                <a:extLst>
+                  <a:ext uri="{FF2B5EF4-FFF2-40B4-BE49-F238E27FC236}">
+                    <a16:creationId xmlns:a16="http://schemas.microsoft.com/office/drawing/2014/main" id="{EFDA7E4E-919B-F425-BAF9-7D2CFB21E498}"/>
+                  </a:ext>
+                </a:extLst>
+              </p:cNvPr>
+              <p:cNvSpPr>
+                <a:spLocks noGrp="1" noRot="1" noChangeAspect="1" noMove="1" noResize="1" noEditPoints="1" noAdjustHandles="1" noChangeArrowheads="1" noChangeShapeType="1" noTextEdit="1"/>
+              </p:cNvSpPr>
+              <p:nvPr>
+                <p:ph sz="quarter" idx="13"/>
+              </p:nvPr>
+            </p:nvSpPr>
+            <p:spPr>
+              <a:xfrm>
+                <a:off x="1096529" y="2123351"/>
+                <a:ext cx="12436591" cy="4108928"/>
+              </a:xfrm>
+              <a:blipFill>
+                <a:blip r:embed="rId3"/>
+                <a:stretch>
+                  <a:fillRect/>
+                </a:stretch>
+              </a:blipFill>
+            </p:spPr>
+            <p:txBody>
+              <a:bodyPr/>
+              <a:lstStyle/>
+              <a:p>
+                <a:r>
+                  <a:rPr lang="en-US">
+                    <a:noFill/>
+                  </a:rPr>
+                  <a:t> </a:t>
+                </a:r>
+              </a:p>
+            </p:txBody>
+          </p:sp>
+        </mc:Fallback>
+      </mc:AlternateContent>
+      <mc:AlternateContent xmlns:mc="http://schemas.openxmlformats.org/markup-compatibility/2006" xmlns:a14="http://schemas.microsoft.com/office/drawing/2010/main">
+        <mc:Choice Requires="a14">
+          <p:sp>
+            <p:nvSpPr>
+              <p:cNvPr id="4" name="Text Box 2">
+                <a:extLst>
+                  <a:ext uri="{FF2B5EF4-FFF2-40B4-BE49-F238E27FC236}">
+                    <a16:creationId xmlns:a16="http://schemas.microsoft.com/office/drawing/2014/main" id="{ACE1DFA8-04EA-3C3F-5142-669B7A5851B9}"/>
+                  </a:ext>
+                </a:extLst>
+              </p:cNvPr>
+              <p:cNvSpPr txBox="1">
+                <a:spLocks noChangeArrowheads="1"/>
+              </p:cNvSpPr>
+              <p:nvPr/>
+            </p:nvSpPr>
+            <p:spPr bwMode="auto">
+              <a:xfrm>
+                <a:off x="1096529" y="4177988"/>
+                <a:ext cx="5206482" cy="1660279"/>
+              </a:xfrm>
+              <a:prstGeom prst="rect">
+                <a:avLst/>
+              </a:prstGeom>
+              <a:solidFill>
+                <a:schemeClr val="accent4">
+                  <a:lumMod val="40000"/>
+                  <a:lumOff val="60000"/>
+                </a:schemeClr>
+              </a:solidFill>
+              <a:ln w="12700">
+                <a:solidFill>
+                  <a:schemeClr val="tx1"/>
+                </a:solidFill>
+                <a:miter lim="800000"/>
+                <a:headEnd/>
+                <a:tailEnd/>
+              </a:ln>
+            </p:spPr>
+            <p:txBody>
+              <a:bodyPr rot="0" vert="horz" wrap="square" lIns="91440" tIns="45720" rIns="91440" bIns="45720" anchor="t" anchorCtr="0">
+                <a:noAutofit/>
+              </a:bodyPr>
+              <a:lstStyle/>
+              <a:p>
+                <a:pPr marL="457200" marR="0" indent="-457200">
+                  <a:lnSpc>
+                    <a:spcPct val="115000"/>
+                  </a:lnSpc>
+                  <a:spcBef>
+                    <a:spcPts val="0"/>
+                  </a:spcBef>
+                  <a:spcAft>
+                    <a:spcPts val="0"/>
+                  </a:spcAft>
+                  <a:buFont typeface="Arial" panose="020B0604020202020204" pitchFamily="34" charset="0"/>
+                  <a:buChar char="•"/>
+                </a:pPr>
+                <a14:m>
+                  <m:oMath xmlns:m="http://schemas.openxmlformats.org/officeDocument/2006/math">
+                    <m:sSub>
+                      <m:sSubPr>
+                        <m:ctrlPr>
+                          <a:rPr lang="en-US" sz="2800" b="1" i="1" kern="100">
+                            <a:effectLst/>
+                            <a:latin typeface="Cambria Math" panose="02040503050406030204" pitchFamily="18" charset="0"/>
+                            <a:ea typeface="Calibri" panose="020F0502020204030204" pitchFamily="34" charset="0"/>
+                            <a:cs typeface="Vrinda" panose="020B0502040204020203" pitchFamily="34" charset="0"/>
+                          </a:rPr>
+                        </m:ctrlPr>
+                      </m:sSubPr>
+                      <m:e>
+                        <m:r>
+                          <a:rPr lang="en-US" sz="2800" b="1" i="1" kern="100">
+                            <a:effectLst/>
+                            <a:latin typeface="Cambria Math" panose="02040503050406030204" pitchFamily="18" charset="0"/>
+                            <a:ea typeface="Calibri" panose="020F0502020204030204" pitchFamily="34" charset="0"/>
+                            <a:cs typeface="Vrinda" panose="020B0502040204020203" pitchFamily="34" charset="0"/>
+                          </a:rPr>
+                          <m:t>𝑺</m:t>
+                        </m:r>
+                      </m:e>
+                      <m:sub>
+                        <m:r>
+                          <a:rPr lang="en-US" sz="2800" b="1" i="1" kern="100">
+                            <a:effectLst/>
+                            <a:latin typeface="Cambria Math" panose="02040503050406030204" pitchFamily="18" charset="0"/>
+                            <a:ea typeface="Calibri" panose="020F0502020204030204" pitchFamily="34" charset="0"/>
+                            <a:cs typeface="Vrinda" panose="020B0502040204020203" pitchFamily="34" charset="0"/>
+                          </a:rPr>
+                          <m:t>𝒌</m:t>
+                        </m:r>
+                      </m:sub>
+                    </m:sSub>
+                    <m:r>
+                      <a:rPr lang="en-US" sz="2800" b="1" i="1" kern="100">
+                        <a:effectLst/>
+                        <a:latin typeface="Cambria Math" panose="02040503050406030204" pitchFamily="18" charset="0"/>
+                        <a:ea typeface="Calibri" panose="020F0502020204030204" pitchFamily="34" charset="0"/>
+                        <a:cs typeface="Vrinda" panose="020B0502040204020203" pitchFamily="34" charset="0"/>
+                      </a:rPr>
+                      <m:t>&gt;</m:t>
+                    </m:r>
+                    <m:r>
+                      <a:rPr lang="en-US" sz="2800" b="1" i="1" kern="100">
+                        <a:effectLst/>
+                        <a:latin typeface="Cambria Math" panose="02040503050406030204" pitchFamily="18" charset="0"/>
+                        <a:ea typeface="Calibri" panose="020F0502020204030204" pitchFamily="34" charset="0"/>
+                        <a:cs typeface="Vrinda" panose="020B0502040204020203" pitchFamily="34" charset="0"/>
+                      </a:rPr>
+                      <m:t>𝟎</m:t>
+                    </m:r>
+                    <m:r>
+                      <a:rPr lang="en-US" sz="2800" b="1" i="1" kern="100">
+                        <a:effectLst/>
+                        <a:latin typeface="Cambria Math" panose="02040503050406030204" pitchFamily="18" charset="0"/>
+                        <a:ea typeface="Calibri" panose="020F0502020204030204" pitchFamily="34" charset="0"/>
+                        <a:cs typeface="Vrinda" panose="020B0502040204020203" pitchFamily="34" charset="0"/>
+                      </a:rPr>
+                      <m:t>:</m:t>
+                    </m:r>
+                    <m:r>
+                      <a:rPr lang="en-US" sz="2800" b="1" i="1" kern="100">
+                        <a:effectLst/>
+                        <a:latin typeface="Cambria Math" panose="02040503050406030204" pitchFamily="18" charset="0"/>
+                        <a:ea typeface="Calibri" panose="020F0502020204030204" pitchFamily="34" charset="0"/>
+                        <a:cs typeface="Vrinda" panose="020B0502040204020203" pitchFamily="34" charset="0"/>
+                      </a:rPr>
+                      <m:t>𝑷𝒐𝒔𝒊𝒕𝒊𝒗𝒆𝒍𝒚</m:t>
+                    </m:r>
+                    <m:r>
+                      <a:rPr lang="en-US" sz="2800" b="1" i="1" kern="100">
+                        <a:effectLst/>
+                        <a:latin typeface="Cambria Math" panose="02040503050406030204" pitchFamily="18" charset="0"/>
+                        <a:ea typeface="Calibri" panose="020F0502020204030204" pitchFamily="34" charset="0"/>
+                        <a:cs typeface="Vrinda" panose="020B0502040204020203" pitchFamily="34" charset="0"/>
+                      </a:rPr>
+                      <m:t> </m:t>
+                    </m:r>
+                    <m:r>
+                      <a:rPr lang="en-US" sz="2800" b="1" i="1" kern="100">
+                        <a:effectLst/>
+                        <a:latin typeface="Cambria Math" panose="02040503050406030204" pitchFamily="18" charset="0"/>
+                        <a:ea typeface="Calibri" panose="020F0502020204030204" pitchFamily="34" charset="0"/>
+                        <a:cs typeface="Vrinda" panose="020B0502040204020203" pitchFamily="34" charset="0"/>
+                      </a:rPr>
+                      <m:t>𝒔𝒌𝒆𝒘𝒆𝒅</m:t>
+                    </m:r>
+                  </m:oMath>
+                </a14:m>
+                <a:endParaRPr lang="en-US" sz="2800" kern="100" dirty="0">
+                  <a:effectLst/>
+                  <a:latin typeface="Calibri" panose="020F0502020204030204" pitchFamily="34" charset="0"/>
+                  <a:ea typeface="Calibri" panose="020F0502020204030204" pitchFamily="34" charset="0"/>
+                  <a:cs typeface="Vrinda" panose="020B0502040204020203" pitchFamily="34" charset="0"/>
+                </a:endParaRPr>
+              </a:p>
+              <a:p>
+                <a:pPr marL="457200" marR="0" indent="-457200">
+                  <a:lnSpc>
+                    <a:spcPct val="115000"/>
+                  </a:lnSpc>
+                  <a:spcBef>
+                    <a:spcPts val="0"/>
+                  </a:spcBef>
+                  <a:spcAft>
+                    <a:spcPts val="0"/>
+                  </a:spcAft>
+                  <a:buFont typeface="Arial" panose="020B0604020202020204" pitchFamily="34" charset="0"/>
+                  <a:buChar char="•"/>
+                </a:pPr>
+                <a14:m>
+                  <m:oMath xmlns:m="http://schemas.openxmlformats.org/officeDocument/2006/math">
+                    <m:sSub>
+                      <m:sSubPr>
+                        <m:ctrlPr>
+                          <a:rPr lang="en-US" sz="2800" b="1" i="1" kern="100">
+                            <a:effectLst/>
+                            <a:latin typeface="Cambria Math" panose="02040503050406030204" pitchFamily="18" charset="0"/>
+                            <a:ea typeface="Calibri" panose="020F0502020204030204" pitchFamily="34" charset="0"/>
+                            <a:cs typeface="Vrinda" panose="020B0502040204020203" pitchFamily="34" charset="0"/>
+                          </a:rPr>
+                        </m:ctrlPr>
+                      </m:sSubPr>
+                      <m:e>
+                        <m:r>
+                          <a:rPr lang="en-US" sz="2800" b="1" i="1" kern="100">
+                            <a:effectLst/>
+                            <a:latin typeface="Cambria Math" panose="02040503050406030204" pitchFamily="18" charset="0"/>
+                            <a:ea typeface="Calibri" panose="020F0502020204030204" pitchFamily="34" charset="0"/>
+                            <a:cs typeface="Vrinda" panose="020B0502040204020203" pitchFamily="34" charset="0"/>
+                          </a:rPr>
+                          <m:t>𝑺</m:t>
+                        </m:r>
+                      </m:e>
+                      <m:sub>
+                        <m:r>
+                          <a:rPr lang="en-US" sz="2800" b="1" i="1" kern="100">
+                            <a:effectLst/>
+                            <a:latin typeface="Cambria Math" panose="02040503050406030204" pitchFamily="18" charset="0"/>
+                            <a:ea typeface="Calibri" panose="020F0502020204030204" pitchFamily="34" charset="0"/>
+                            <a:cs typeface="Vrinda" panose="020B0502040204020203" pitchFamily="34" charset="0"/>
+                          </a:rPr>
+                          <m:t>𝒌</m:t>
+                        </m:r>
+                      </m:sub>
+                    </m:sSub>
+                    <m:r>
+                      <a:rPr lang="en-US" sz="2800" b="1" i="1" kern="100">
+                        <a:effectLst/>
+                        <a:latin typeface="Cambria Math" panose="02040503050406030204" pitchFamily="18" charset="0"/>
+                        <a:ea typeface="Calibri" panose="020F0502020204030204" pitchFamily="34" charset="0"/>
+                        <a:cs typeface="Vrinda" panose="020B0502040204020203" pitchFamily="34" charset="0"/>
+                      </a:rPr>
+                      <m:t>&lt;</m:t>
+                    </m:r>
+                    <m:r>
+                      <a:rPr lang="en-US" sz="2800" b="1" i="1" kern="100">
+                        <a:effectLst/>
+                        <a:latin typeface="Cambria Math" panose="02040503050406030204" pitchFamily="18" charset="0"/>
+                        <a:ea typeface="Calibri" panose="020F0502020204030204" pitchFamily="34" charset="0"/>
+                        <a:cs typeface="Vrinda" panose="020B0502040204020203" pitchFamily="34" charset="0"/>
+                      </a:rPr>
+                      <m:t>𝟎</m:t>
+                    </m:r>
+                    <m:r>
+                      <a:rPr lang="en-US" sz="2800" b="1" i="1" kern="100">
+                        <a:effectLst/>
+                        <a:latin typeface="Cambria Math" panose="02040503050406030204" pitchFamily="18" charset="0"/>
+                        <a:ea typeface="Times New Roman" panose="02020603050405020304" pitchFamily="18" charset="0"/>
+                        <a:cs typeface="Vrinda" panose="020B0502040204020203" pitchFamily="34" charset="0"/>
+                      </a:rPr>
+                      <m:t>:</m:t>
+                    </m:r>
+                    <m:r>
+                      <a:rPr lang="en-US" sz="2800" b="1" i="1" kern="100">
+                        <a:effectLst/>
+                        <a:latin typeface="Cambria Math" panose="02040503050406030204" pitchFamily="18" charset="0"/>
+                        <a:ea typeface="Times New Roman" panose="02020603050405020304" pitchFamily="18" charset="0"/>
+                        <a:cs typeface="Vrinda" panose="020B0502040204020203" pitchFamily="34" charset="0"/>
+                      </a:rPr>
+                      <m:t>𝑵𝒆𝒈𝒂𝒕𝒊𝒗𝒆𝒍𝒚</m:t>
+                    </m:r>
+                    <m:r>
+                      <a:rPr lang="en-US" sz="2800" b="1" i="1" kern="100">
+                        <a:effectLst/>
+                        <a:latin typeface="Cambria Math" panose="02040503050406030204" pitchFamily="18" charset="0"/>
+                        <a:ea typeface="Times New Roman" panose="02020603050405020304" pitchFamily="18" charset="0"/>
+                        <a:cs typeface="Vrinda" panose="020B0502040204020203" pitchFamily="34" charset="0"/>
+                      </a:rPr>
+                      <m:t> </m:t>
+                    </m:r>
+                    <m:r>
+                      <a:rPr lang="en-US" sz="2800" b="1" i="1" kern="100">
+                        <a:effectLst/>
+                        <a:latin typeface="Cambria Math" panose="02040503050406030204" pitchFamily="18" charset="0"/>
+                        <a:ea typeface="Times New Roman" panose="02020603050405020304" pitchFamily="18" charset="0"/>
+                        <a:cs typeface="Vrinda" panose="020B0502040204020203" pitchFamily="34" charset="0"/>
+                      </a:rPr>
+                      <m:t>𝒔𝒌𝒆𝒘𝒆𝒅</m:t>
+                    </m:r>
+                  </m:oMath>
+                </a14:m>
+                <a:endParaRPr lang="en-US" sz="2800" kern="100" dirty="0">
+                  <a:effectLst/>
+                  <a:latin typeface="Calibri" panose="020F0502020204030204" pitchFamily="34" charset="0"/>
+                  <a:ea typeface="Calibri" panose="020F0502020204030204" pitchFamily="34" charset="0"/>
+                  <a:cs typeface="Vrinda" panose="020B0502040204020203" pitchFamily="34" charset="0"/>
+                </a:endParaRPr>
+              </a:p>
+              <a:p>
+                <a:pPr marL="457200" marR="0" indent="-457200">
+                  <a:lnSpc>
+                    <a:spcPct val="115000"/>
+                  </a:lnSpc>
+                  <a:spcBef>
+                    <a:spcPts val="0"/>
+                  </a:spcBef>
+                  <a:spcAft>
+                    <a:spcPts val="0"/>
+                  </a:spcAft>
+                  <a:buFont typeface="Arial" panose="020B0604020202020204" pitchFamily="34" charset="0"/>
+                  <a:buChar char="•"/>
+                </a:pPr>
+                <a14:m>
+                  <m:oMath xmlns:m="http://schemas.openxmlformats.org/officeDocument/2006/math">
+                    <m:sSub>
+                      <m:sSubPr>
+                        <m:ctrlPr>
+                          <a:rPr lang="en-US" sz="2800" b="1" i="1" kern="100">
+                            <a:effectLst/>
+                            <a:latin typeface="Cambria Math" panose="02040503050406030204" pitchFamily="18" charset="0"/>
+                            <a:ea typeface="Calibri" panose="020F0502020204030204" pitchFamily="34" charset="0"/>
+                            <a:cs typeface="Vrinda" panose="020B0502040204020203" pitchFamily="34" charset="0"/>
+                          </a:rPr>
+                        </m:ctrlPr>
+                      </m:sSubPr>
+                      <m:e>
+                        <m:r>
+                          <a:rPr lang="en-US" sz="2800" b="1" i="1" kern="100">
+                            <a:effectLst/>
+                            <a:latin typeface="Cambria Math" panose="02040503050406030204" pitchFamily="18" charset="0"/>
+                            <a:ea typeface="Calibri" panose="020F0502020204030204" pitchFamily="34" charset="0"/>
+                            <a:cs typeface="Vrinda" panose="020B0502040204020203" pitchFamily="34" charset="0"/>
+                          </a:rPr>
+                          <m:t>𝑺</m:t>
+                        </m:r>
+                      </m:e>
+                      <m:sub>
+                        <m:r>
+                          <a:rPr lang="en-US" sz="2800" b="1" i="1" kern="100">
+                            <a:effectLst/>
+                            <a:latin typeface="Cambria Math" panose="02040503050406030204" pitchFamily="18" charset="0"/>
+                            <a:ea typeface="Calibri" panose="020F0502020204030204" pitchFamily="34" charset="0"/>
+                            <a:cs typeface="Vrinda" panose="020B0502040204020203" pitchFamily="34" charset="0"/>
+                          </a:rPr>
+                          <m:t>𝒌</m:t>
+                        </m:r>
+                      </m:sub>
+                    </m:sSub>
+                    <m:r>
+                      <a:rPr lang="en-US" sz="2800" b="1" i="1" kern="100">
+                        <a:effectLst/>
+                        <a:latin typeface="Cambria Math" panose="02040503050406030204" pitchFamily="18" charset="0"/>
+                        <a:ea typeface="Calibri" panose="020F0502020204030204" pitchFamily="34" charset="0"/>
+                        <a:cs typeface="Vrinda" panose="020B0502040204020203" pitchFamily="34" charset="0"/>
+                      </a:rPr>
+                      <m:t>=</m:t>
+                    </m:r>
+                    <m:r>
+                      <a:rPr lang="en-US" sz="2800" b="1" i="1" kern="100">
+                        <a:effectLst/>
+                        <a:latin typeface="Cambria Math" panose="02040503050406030204" pitchFamily="18" charset="0"/>
+                        <a:ea typeface="Calibri" panose="020F0502020204030204" pitchFamily="34" charset="0"/>
+                        <a:cs typeface="Vrinda" panose="020B0502040204020203" pitchFamily="34" charset="0"/>
+                      </a:rPr>
+                      <m:t>𝟎</m:t>
+                    </m:r>
+                    <m:r>
+                      <a:rPr lang="en-US" sz="2800" b="1" i="1" kern="100">
+                        <a:effectLst/>
+                        <a:latin typeface="Cambria Math" panose="02040503050406030204" pitchFamily="18" charset="0"/>
+                        <a:ea typeface="Times New Roman" panose="02020603050405020304" pitchFamily="18" charset="0"/>
+                        <a:cs typeface="Vrinda" panose="020B0502040204020203" pitchFamily="34" charset="0"/>
+                      </a:rPr>
+                      <m:t>:</m:t>
+                    </m:r>
+                    <m:r>
+                      <a:rPr lang="en-US" sz="2800" b="1" i="1" kern="100">
+                        <a:effectLst/>
+                        <a:latin typeface="Cambria Math" panose="02040503050406030204" pitchFamily="18" charset="0"/>
+                        <a:ea typeface="Times New Roman" panose="02020603050405020304" pitchFamily="18" charset="0"/>
+                        <a:cs typeface="Vrinda" panose="020B0502040204020203" pitchFamily="34" charset="0"/>
+                      </a:rPr>
+                      <m:t>𝑺𝒚𝒎𝒎𝒆𝒕𝒓𝒊𝒄</m:t>
+                    </m:r>
+                  </m:oMath>
+                </a14:m>
+                <a:endParaRPr lang="en-US" sz="2800" kern="100" dirty="0">
+                  <a:effectLst/>
+                  <a:latin typeface="Calibri" panose="020F0502020204030204" pitchFamily="34" charset="0"/>
+                  <a:ea typeface="Calibri" panose="020F0502020204030204" pitchFamily="34" charset="0"/>
+                  <a:cs typeface="Vrinda" panose="020B0502040204020203" pitchFamily="34" charset="0"/>
+                </a:endParaRPr>
+              </a:p>
+            </p:txBody>
+          </p:sp>
+        </mc:Choice>
+        <mc:Fallback xmlns="">
+          <p:sp>
+            <p:nvSpPr>
+              <p:cNvPr id="4" name="Text Box 2">
+                <a:extLst>
+                  <a:ext uri="{FF2B5EF4-FFF2-40B4-BE49-F238E27FC236}">
+                    <a16:creationId xmlns:a16="http://schemas.microsoft.com/office/drawing/2014/main" id="{ACE1DFA8-04EA-3C3F-5142-669B7A5851B9}"/>
+                  </a:ext>
+                </a:extLst>
+              </p:cNvPr>
+              <p:cNvSpPr txBox="1">
+                <a:spLocks noRot="1" noChangeAspect="1" noMove="1" noResize="1" noEditPoints="1" noAdjustHandles="1" noChangeArrowheads="1" noChangeShapeType="1" noTextEdit="1"/>
+              </p:cNvSpPr>
+              <p:nvPr/>
+            </p:nvSpPr>
+            <p:spPr bwMode="auto">
+              <a:xfrm>
+                <a:off x="1096529" y="4177988"/>
+                <a:ext cx="5206482" cy="1660279"/>
+              </a:xfrm>
+              <a:prstGeom prst="rect">
+                <a:avLst/>
+              </a:prstGeom>
+              <a:blipFill>
+                <a:blip r:embed="rId4"/>
+                <a:stretch>
+                  <a:fillRect/>
+                </a:stretch>
+              </a:blipFill>
+              <a:ln w="12700">
+                <a:solidFill>
+                  <a:schemeClr val="tx1"/>
+                </a:solidFill>
+                <a:miter lim="800000"/>
+                <a:headEnd/>
+                <a:tailEnd/>
+              </a:ln>
+            </p:spPr>
+            <p:txBody>
+              <a:bodyPr/>
+              <a:lstStyle/>
+              <a:p>
+                <a:r>
+                  <a:rPr lang="en-US">
+                    <a:noFill/>
+                  </a:rPr>
+                  <a:t> </a:t>
+                </a:r>
+              </a:p>
+            </p:txBody>
+          </p:sp>
+        </mc:Fallback>
+      </mc:AlternateContent>
+      <p:sp>
+        <p:nvSpPr>
+          <p:cNvPr id="7" name="TextBox 6">
+            <a:extLst>
+              <a:ext uri="{FF2B5EF4-FFF2-40B4-BE49-F238E27FC236}">
+                <a16:creationId xmlns:a16="http://schemas.microsoft.com/office/drawing/2014/main" id="{30C0AC85-BE27-8429-AFEC-07A88ADD45D9}"/>
+              </a:ext>
+            </a:extLst>
+          </p:cNvPr>
+          <p:cNvSpPr txBox="1"/>
+          <p:nvPr/>
+        </p:nvSpPr>
+        <p:spPr>
+          <a:xfrm>
+            <a:off x="6550091" y="1791478"/>
+            <a:ext cx="7893698" cy="2554545"/>
+          </a:xfrm>
+          <a:prstGeom prst="rect">
+            <a:avLst/>
+          </a:prstGeom>
+          <a:solidFill>
+            <a:schemeClr val="accent1">
+              <a:lumMod val="40000"/>
+              <a:lumOff val="60000"/>
+            </a:schemeClr>
+          </a:solidFill>
+          <a:ln w="12700">
+            <a:solidFill>
+              <a:schemeClr val="tx1"/>
+            </a:solidFill>
+          </a:ln>
+        </p:spPr>
+        <p:txBody>
+          <a:bodyPr wrap="square" rtlCol="0">
+            <a:spAutoFit/>
+          </a:bodyPr>
+          <a:lstStyle/>
+          <a:p>
+            <a:pPr algn="just"/>
+            <a:r>
+              <a:rPr lang="en-US" sz="3200" dirty="0"/>
+              <a:t>For example: Calculate the coefficient of skewness: 15,18,2,6,4</a:t>
+            </a:r>
+          </a:p>
+          <a:p>
+            <a:pPr algn="just"/>
+            <a:endParaRPr lang="en-US" sz="3200" dirty="0"/>
+          </a:p>
+          <a:p>
+            <a:pPr algn="just"/>
+            <a:r>
+              <a:rPr lang="en-US" sz="3200" dirty="0"/>
+              <a:t>Mean = 9</a:t>
+            </a:r>
+          </a:p>
+          <a:p>
+            <a:pPr algn="just"/>
+            <a:endParaRPr lang="en-US" sz="3200" dirty="0"/>
+          </a:p>
+        </p:txBody>
+      </p:sp>
+    </p:spTree>
+    <p:extLst>
+      <p:ext uri="{BB962C8B-B14F-4D97-AF65-F5344CB8AC3E}">
+        <p14:creationId xmlns:p14="http://schemas.microsoft.com/office/powerpoint/2010/main" val="473193605"/>
+      </p:ext>
+    </p:extLst>
+  </p:cSld>
+  <p:clrMapOvr>
+    <a:masterClrMapping/>
+  </p:clrMapOvr>
+</p:sld>
+</file>
+
 <file path=ppt/theme/theme1.xml><?xml version="1.0" encoding="utf-8"?>
 <a:theme xmlns:a="http://schemas.openxmlformats.org/drawingml/2006/main" name="Wood Type">
   <a:themeElements>
